--- a/[모듈] 10. 빅데이터 분석기획_보금.pptx
+++ b/[모듈] 10. 빅데이터 분석기획_보금.pptx
@@ -15,7 +15,8 @@
     <p:sldId id="322" r:id="rId9"/>
     <p:sldId id="299" r:id="rId10"/>
     <p:sldId id="323" r:id="rId11"/>
-    <p:sldId id="286" r:id="rId12"/>
+    <p:sldId id="324" r:id="rId12"/>
+    <p:sldId id="286" r:id="rId13"/>
   </p:sldIdLst>
   <p:sldSz cx="12192000" cy="6858000"/>
   <p:notesSz cx="6858000" cy="9144000"/>
@@ -4129,8 +4130,42 @@
                 <a:ea typeface="맑은 고딕" panose="020B0503020000020004" pitchFamily="50" charset="-127"/>
                 <a:cs typeface="+mj-cs"/>
               </a:rPr>
-              <a:t>요구사항 명세화</a:t>
-            </a:r>
+              <a:t>외부 </a:t>
+            </a:r>
+            <a:r>
+              <a:rPr lang="en-US" altLang="ko-KR" dirty="0">
+                <a:solidFill>
+                  <a:prstClr val="black"/>
+                </a:solidFill>
+                <a:latin typeface="맑은 고딕" panose="020F0302020204030204"/>
+                <a:ea typeface="맑은 고딕" panose="020B0503020000020004" pitchFamily="50" charset="-127"/>
+              </a:rPr>
+              <a:t>Open API </a:t>
+            </a:r>
+            <a:r>
+              <a:rPr lang="ko-KR" altLang="en-US" dirty="0">
+                <a:solidFill>
+                  <a:prstClr val="black"/>
+                </a:solidFill>
+                <a:latin typeface="맑은 고딕" panose="020F0302020204030204"/>
+                <a:ea typeface="맑은 고딕" panose="020B0503020000020004" pitchFamily="50" charset="-127"/>
+              </a:rPr>
+              <a:t>수집</a:t>
+            </a:r>
+            <a:endParaRPr kumimoji="0" lang="ko-KR" altLang="en-US" sz="4400" b="0" i="0" u="none" strike="noStrike" kern="1200" cap="none" spc="0" normalizeH="0" baseline="0" noProof="0" dirty="0">
+              <a:ln>
+                <a:noFill/>
+              </a:ln>
+              <a:solidFill>
+                <a:prstClr val="black"/>
+              </a:solidFill>
+              <a:effectLst/>
+              <a:uLnTx/>
+              <a:uFillTx/>
+              <a:latin typeface="맑은 고딕" panose="020F0302020204030204"/>
+              <a:ea typeface="맑은 고딕" panose="020B0503020000020004" pitchFamily="50" charset="-127"/>
+              <a:cs typeface="+mj-cs"/>
+            </a:endParaRPr>
           </a:p>
         </p:txBody>
       </p:sp>
@@ -4249,6 +4284,670 @@
           </a:p>
         </p:txBody>
       </p:sp>
+      <p:graphicFrame>
+        <p:nvGraphicFramePr>
+          <p:cNvPr id="8" name="Table 2">
+            <a:extLst>
+              <a:ext uri="{FF2B5EF4-FFF2-40B4-BE49-F238E27FC236}">
+                <a16:creationId xmlns:a16="http://schemas.microsoft.com/office/drawing/2014/main" id="{0FD679BB-40CD-49A5-9E7F-EF206BE9762C}"/>
+              </a:ext>
+            </a:extLst>
+          </p:cNvPr>
+          <p:cNvGraphicFramePr>
+            <a:graphicFrameLocks noGrp="1"/>
+          </p:cNvGraphicFramePr>
+          <p:nvPr>
+            <p:extLst>
+              <p:ext uri="{D42A27DB-BD31-4B8C-83A1-F6EECF244321}">
+                <p14:modId xmlns:p14="http://schemas.microsoft.com/office/powerpoint/2010/main" val="3711431224"/>
+              </p:ext>
+            </p:extLst>
+          </p:nvPr>
+        </p:nvGraphicFramePr>
+        <p:xfrm>
+          <a:off x="720135" y="1861918"/>
+          <a:ext cx="10510242" cy="4572000"/>
+        </p:xfrm>
+        <a:graphic>
+          <a:graphicData uri="http://schemas.openxmlformats.org/drawingml/2006/table">
+            <a:tbl>
+              <a:tblPr firstRow="1" bandRow="1">
+                <a:tableStyleId>{F5AB1C69-6EDB-4FF4-983F-18BD219EF322}</a:tableStyleId>
+              </a:tblPr>
+              <a:tblGrid>
+                <a:gridCol w="1876829">
+                  <a:extLst>
+                    <a:ext uri="{9D8B030D-6E8A-4147-A177-3AD203B41FA5}">
+                      <a16:colId xmlns:a16="http://schemas.microsoft.com/office/drawing/2014/main" val="20000"/>
+                    </a:ext>
+                  </a:extLst>
+                </a:gridCol>
+                <a:gridCol w="2064512">
+                  <a:extLst>
+                    <a:ext uri="{9D8B030D-6E8A-4147-A177-3AD203B41FA5}">
+                      <a16:colId xmlns:a16="http://schemas.microsoft.com/office/drawing/2014/main" val="20001"/>
+                    </a:ext>
+                  </a:extLst>
+                </a:gridCol>
+                <a:gridCol w="938414">
+                  <a:extLst>
+                    <a:ext uri="{9D8B030D-6E8A-4147-A177-3AD203B41FA5}">
+                      <a16:colId xmlns:a16="http://schemas.microsoft.com/office/drawing/2014/main" val="20002"/>
+                    </a:ext>
+                  </a:extLst>
+                </a:gridCol>
+                <a:gridCol w="3002926">
+                  <a:extLst>
+                    <a:ext uri="{9D8B030D-6E8A-4147-A177-3AD203B41FA5}">
+                      <a16:colId xmlns:a16="http://schemas.microsoft.com/office/drawing/2014/main" val="20003"/>
+                    </a:ext>
+                  </a:extLst>
+                </a:gridCol>
+                <a:gridCol w="2627561">
+                  <a:extLst>
+                    <a:ext uri="{9D8B030D-6E8A-4147-A177-3AD203B41FA5}">
+                      <a16:colId xmlns:a16="http://schemas.microsoft.com/office/drawing/2014/main" val="20004"/>
+                    </a:ext>
+                  </a:extLst>
+                </a:gridCol>
+              </a:tblGrid>
+              <a:tr h="653142">
+                <a:tc>
+                  <a:txBody>
+                    <a:bodyPr/>
+                    <a:lstStyle/>
+                    <a:p>
+                      <a:pPr algn="ctr"/>
+                      <a:r>
+                        <a:rPr sz="1200" dirty="0" err="1"/>
+                        <a:t>제공처</a:t>
+                      </a:r>
+                      <a:endParaRPr sz="1200" dirty="0"/>
+                    </a:p>
+                  </a:txBody>
+                  <a:tcPr anchor="ctr"/>
+                </a:tc>
+                <a:tc>
+                  <a:txBody>
+                    <a:bodyPr/>
+                    <a:lstStyle/>
+                    <a:p>
+                      <a:pPr algn="ctr"/>
+                      <a:r>
+                        <a:rPr sz="1200" dirty="0"/>
+                        <a:t>API/</a:t>
+                      </a:r>
+                      <a:r>
+                        <a:rPr sz="1200" dirty="0" err="1"/>
+                        <a:t>엔드포인트</a:t>
+                      </a:r>
+                      <a:endParaRPr sz="1200" dirty="0"/>
+                    </a:p>
+                  </a:txBody>
+                  <a:tcPr anchor="ctr"/>
+                </a:tc>
+                <a:tc>
+                  <a:txBody>
+                    <a:bodyPr/>
+                    <a:lstStyle/>
+                    <a:p>
+                      <a:pPr algn="ctr"/>
+                      <a:r>
+                        <a:rPr sz="1200" dirty="0" err="1"/>
+                        <a:t>메서드</a:t>
+                      </a:r>
+                      <a:endParaRPr sz="1200" dirty="0"/>
+                    </a:p>
+                  </a:txBody>
+                  <a:tcPr anchor="ctr"/>
+                </a:tc>
+                <a:tc>
+                  <a:txBody>
+                    <a:bodyPr/>
+                    <a:lstStyle/>
+                    <a:p>
+                      <a:pPr algn="ctr"/>
+                      <a:r>
+                        <a:rPr sz="1200" dirty="0"/>
+                        <a:t>Base URL · Endpoint(</a:t>
+                      </a:r>
+                      <a:r>
+                        <a:rPr sz="1200" dirty="0" err="1"/>
+                        <a:t>예시</a:t>
+                      </a:r>
+                      <a:r>
+                        <a:rPr sz="1200" dirty="0"/>
+                        <a:t>)</a:t>
+                      </a:r>
+                    </a:p>
+                  </a:txBody>
+                  <a:tcPr anchor="ctr"/>
+                </a:tc>
+                <a:tc>
+                  <a:txBody>
+                    <a:bodyPr/>
+                    <a:lstStyle/>
+                    <a:p>
+                      <a:pPr algn="ctr"/>
+                      <a:r>
+                        <a:rPr sz="1200" dirty="0" err="1"/>
+                        <a:t>비고</a:t>
+                      </a:r>
+                      <a:endParaRPr sz="1200" dirty="0"/>
+                    </a:p>
+                  </a:txBody>
+                  <a:tcPr anchor="ctr"/>
+                </a:tc>
+                <a:extLst>
+                  <a:ext uri="{0D108BD9-81ED-4DB2-BD59-A6C34878D82A}">
+                    <a16:rowId xmlns:a16="http://schemas.microsoft.com/office/drawing/2014/main" val="10000"/>
+                  </a:ext>
+                </a:extLst>
+              </a:tr>
+              <a:tr h="653142">
+                <a:tc>
+                  <a:txBody>
+                    <a:bodyPr/>
+                    <a:lstStyle/>
+                    <a:p>
+                      <a:pPr algn="ctr"/>
+                      <a:r>
+                        <a:rPr sz="1200" b="1" dirty="0"/>
+                        <a:t>Google Cloud NLP API</a:t>
+                      </a:r>
+                    </a:p>
+                  </a:txBody>
+                  <a:tcPr anchor="ctr"/>
+                </a:tc>
+                <a:tc>
+                  <a:txBody>
+                    <a:bodyPr/>
+                    <a:lstStyle/>
+                    <a:p>
+                      <a:r>
+                        <a:rPr sz="1200" dirty="0"/>
+                        <a:t>sentiment / entities</a:t>
+                      </a:r>
+                    </a:p>
+                  </a:txBody>
+                  <a:tcPr anchor="ctr"/>
+                </a:tc>
+                <a:tc>
+                  <a:txBody>
+                    <a:bodyPr/>
+                    <a:lstStyle/>
+                    <a:p>
+                      <a:r>
+                        <a:rPr sz="1200" dirty="0"/>
+                        <a:t>POST</a:t>
+                      </a:r>
+                    </a:p>
+                  </a:txBody>
+                  <a:tcPr anchor="ctr"/>
+                </a:tc>
+                <a:tc>
+                  <a:txBody>
+                    <a:bodyPr/>
+                    <a:lstStyle/>
+                    <a:p>
+                      <a:r>
+                        <a:rPr sz="1200"/>
+                        <a:t>language.googleapis.com/v1/documents:analyzeSentiment</a:t>
+                      </a:r>
+                    </a:p>
+                  </a:txBody>
+                  <a:tcPr anchor="ctr"/>
+                </a:tc>
+                <a:tc>
+                  <a:txBody>
+                    <a:bodyPr/>
+                    <a:lstStyle/>
+                    <a:p>
+                      <a:r>
+                        <a:rPr sz="1200"/>
+                        <a:t>리뷰 감정 분석, 키워드 추출</a:t>
+                      </a:r>
+                    </a:p>
+                  </a:txBody>
+                  <a:tcPr anchor="ctr"/>
+                </a:tc>
+                <a:extLst>
+                  <a:ext uri="{0D108BD9-81ED-4DB2-BD59-A6C34878D82A}">
+                    <a16:rowId xmlns:a16="http://schemas.microsoft.com/office/drawing/2014/main" val="10001"/>
+                  </a:ext>
+                </a:extLst>
+              </a:tr>
+              <a:tr h="653142">
+                <a:tc>
+                  <a:txBody>
+                    <a:bodyPr/>
+                    <a:lstStyle/>
+                    <a:p>
+                      <a:pPr algn="ctr"/>
+                      <a:r>
+                        <a:rPr sz="1200" b="1" dirty="0" err="1"/>
+                        <a:t>Kakao</a:t>
+                      </a:r>
+                      <a:r>
+                        <a:rPr sz="1200" b="1" dirty="0"/>
+                        <a:t> NLP API</a:t>
+                      </a:r>
+                    </a:p>
+                  </a:txBody>
+                  <a:tcPr anchor="ctr"/>
+                </a:tc>
+                <a:tc>
+                  <a:txBody>
+                    <a:bodyPr/>
+                    <a:lstStyle/>
+                    <a:p>
+                      <a:r>
+                        <a:rPr sz="1200"/>
+                        <a:t>morph / keyword</a:t>
+                      </a:r>
+                    </a:p>
+                  </a:txBody>
+                  <a:tcPr anchor="ctr"/>
+                </a:tc>
+                <a:tc>
+                  <a:txBody>
+                    <a:bodyPr/>
+                    <a:lstStyle/>
+                    <a:p>
+                      <a:r>
+                        <a:rPr sz="1200"/>
+                        <a:t>POST</a:t>
+                      </a:r>
+                    </a:p>
+                  </a:txBody>
+                  <a:tcPr anchor="ctr"/>
+                </a:tc>
+                <a:tc>
+                  <a:txBody>
+                    <a:bodyPr/>
+                    <a:lstStyle/>
+                    <a:p>
+                      <a:r>
+                        <a:rPr sz="1200" dirty="0"/>
+                        <a:t>dapi.kakao.com/v2/</a:t>
+                      </a:r>
+                      <a:r>
+                        <a:rPr sz="1200" dirty="0" err="1"/>
+                        <a:t>nlp</a:t>
+                      </a:r>
+                      <a:r>
+                        <a:rPr sz="1200" dirty="0"/>
+                        <a:t>/morph</a:t>
+                      </a:r>
+                    </a:p>
+                  </a:txBody>
+                  <a:tcPr anchor="ctr"/>
+                </a:tc>
+                <a:tc>
+                  <a:txBody>
+                    <a:bodyPr/>
+                    <a:lstStyle/>
+                    <a:p>
+                      <a:r>
+                        <a:rPr sz="1200"/>
+                        <a:t>한국어 형태소 분석, 키워드</a:t>
+                      </a:r>
+                    </a:p>
+                  </a:txBody>
+                  <a:tcPr anchor="ctr"/>
+                </a:tc>
+                <a:extLst>
+                  <a:ext uri="{0D108BD9-81ED-4DB2-BD59-A6C34878D82A}">
+                    <a16:rowId xmlns:a16="http://schemas.microsoft.com/office/drawing/2014/main" val="10002"/>
+                  </a:ext>
+                </a:extLst>
+              </a:tr>
+              <a:tr h="653142">
+                <a:tc>
+                  <a:txBody>
+                    <a:bodyPr/>
+                    <a:lstStyle/>
+                    <a:p>
+                      <a:pPr algn="ctr"/>
+                      <a:r>
+                        <a:rPr sz="1200" b="1" dirty="0" err="1"/>
+                        <a:t>보건복지부·WHO</a:t>
+                      </a:r>
+                      <a:r>
+                        <a:rPr sz="1200" b="1" dirty="0"/>
+                        <a:t> Open API</a:t>
+                      </a:r>
+                    </a:p>
+                  </a:txBody>
+                  <a:tcPr anchor="ctr"/>
+                </a:tc>
+                <a:tc>
+                  <a:txBody>
+                    <a:bodyPr/>
+                    <a:lstStyle/>
+                    <a:p>
+                      <a:r>
+                        <a:rPr sz="1200"/>
+                        <a:t>mentalHealthInfo</a:t>
+                      </a:r>
+                    </a:p>
+                  </a:txBody>
+                  <a:tcPr anchor="ctr"/>
+                </a:tc>
+                <a:tc>
+                  <a:txBody>
+                    <a:bodyPr/>
+                    <a:lstStyle/>
+                    <a:p>
+                      <a:r>
+                        <a:rPr sz="1200"/>
+                        <a:t>GET</a:t>
+                      </a:r>
+                    </a:p>
+                  </a:txBody>
+                  <a:tcPr anchor="ctr"/>
+                </a:tc>
+                <a:tc>
+                  <a:txBody>
+                    <a:bodyPr/>
+                    <a:lstStyle/>
+                    <a:p>
+                      <a:r>
+                        <a:rPr sz="1200" dirty="0"/>
+                        <a:t>apis.data.go.kr/mental/...</a:t>
+                      </a:r>
+                    </a:p>
+                  </a:txBody>
+                  <a:tcPr anchor="ctr"/>
+                </a:tc>
+                <a:tc>
+                  <a:txBody>
+                    <a:bodyPr/>
+                    <a:lstStyle/>
+                    <a:p>
+                      <a:r>
+                        <a:rPr sz="1200"/>
+                        <a:t>정신건강 관련 질환·예방 가이드</a:t>
+                      </a:r>
+                    </a:p>
+                  </a:txBody>
+                  <a:tcPr anchor="ctr"/>
+                </a:tc>
+                <a:extLst>
+                  <a:ext uri="{0D108BD9-81ED-4DB2-BD59-A6C34878D82A}">
+                    <a16:rowId xmlns:a16="http://schemas.microsoft.com/office/drawing/2014/main" val="10003"/>
+                  </a:ext>
+                </a:extLst>
+              </a:tr>
+              <a:tr h="653142">
+                <a:tc>
+                  <a:txBody>
+                    <a:bodyPr/>
+                    <a:lstStyle/>
+                    <a:p>
+                      <a:pPr algn="ctr"/>
+                      <a:r>
+                        <a:rPr sz="1200" b="1" dirty="0"/>
+                        <a:t>Google Calendar API</a:t>
+                      </a:r>
+                    </a:p>
+                  </a:txBody>
+                  <a:tcPr anchor="ctr"/>
+                </a:tc>
+                <a:tc>
+                  <a:txBody>
+                    <a:bodyPr/>
+                    <a:lstStyle/>
+                    <a:p>
+                      <a:r>
+                        <a:rPr sz="1200"/>
+                        <a:t>events</a:t>
+                      </a:r>
+                    </a:p>
+                  </a:txBody>
+                  <a:tcPr anchor="ctr"/>
+                </a:tc>
+                <a:tc>
+                  <a:txBody>
+                    <a:bodyPr/>
+                    <a:lstStyle/>
+                    <a:p>
+                      <a:r>
+                        <a:rPr sz="1200"/>
+                        <a:t>POST/GET</a:t>
+                      </a:r>
+                    </a:p>
+                  </a:txBody>
+                  <a:tcPr anchor="ctr"/>
+                </a:tc>
+                <a:tc>
+                  <a:txBody>
+                    <a:bodyPr/>
+                    <a:lstStyle/>
+                    <a:p>
+                      <a:r>
+                        <a:rPr sz="1200" dirty="0"/>
+                        <a:t>www.googleapis.com/calendar/v3/events</a:t>
+                      </a:r>
+                    </a:p>
+                  </a:txBody>
+                  <a:tcPr anchor="ctr"/>
+                </a:tc>
+                <a:tc>
+                  <a:txBody>
+                    <a:bodyPr/>
+                    <a:lstStyle/>
+                    <a:p>
+                      <a:r>
+                        <a:rPr sz="1200"/>
+                        <a:t>상담 일정 예약·알림 연동</a:t>
+                      </a:r>
+                    </a:p>
+                  </a:txBody>
+                  <a:tcPr anchor="ctr"/>
+                </a:tc>
+                <a:extLst>
+                  <a:ext uri="{0D108BD9-81ED-4DB2-BD59-A6C34878D82A}">
+                    <a16:rowId xmlns:a16="http://schemas.microsoft.com/office/drawing/2014/main" val="10004"/>
+                  </a:ext>
+                </a:extLst>
+              </a:tr>
+              <a:tr h="653142">
+                <a:tc>
+                  <a:txBody>
+                    <a:bodyPr/>
+                    <a:lstStyle/>
+                    <a:p>
+                      <a:pPr algn="ctr"/>
+                      <a:r>
+                        <a:rPr sz="1200" b="1" dirty="0" err="1"/>
+                        <a:t>Kakao</a:t>
+                      </a:r>
+                      <a:r>
+                        <a:rPr sz="1200" b="1" dirty="0"/>
+                        <a:t>/Naver Map API</a:t>
+                      </a:r>
+                    </a:p>
+                  </a:txBody>
+                  <a:tcPr anchor="ctr"/>
+                </a:tc>
+                <a:tc>
+                  <a:txBody>
+                    <a:bodyPr/>
+                    <a:lstStyle/>
+                    <a:p>
+                      <a:r>
+                        <a:rPr sz="1200"/>
+                        <a:t>local search / geocode</a:t>
+                      </a:r>
+                    </a:p>
+                  </a:txBody>
+                  <a:tcPr anchor="ctr"/>
+                </a:tc>
+                <a:tc>
+                  <a:txBody>
+                    <a:bodyPr/>
+                    <a:lstStyle/>
+                    <a:p>
+                      <a:r>
+                        <a:rPr sz="1200"/>
+                        <a:t>GET</a:t>
+                      </a:r>
+                    </a:p>
+                  </a:txBody>
+                  <a:tcPr anchor="ctr"/>
+                </a:tc>
+                <a:tc>
+                  <a:txBody>
+                    <a:bodyPr/>
+                    <a:lstStyle/>
+                    <a:p>
+                      <a:r>
+                        <a:rPr sz="1200"/>
+                        <a:t>dapi.kakao.com/v2/local/search</a:t>
+                      </a:r>
+                    </a:p>
+                  </a:txBody>
+                  <a:tcPr anchor="ctr"/>
+                </a:tc>
+                <a:tc>
+                  <a:txBody>
+                    <a:bodyPr/>
+                    <a:lstStyle/>
+                    <a:p>
+                      <a:r>
+                        <a:rPr sz="1200" dirty="0" err="1"/>
+                        <a:t>위치</a:t>
+                      </a:r>
+                      <a:r>
+                        <a:rPr sz="1200" dirty="0"/>
+                        <a:t> </a:t>
+                      </a:r>
+                      <a:r>
+                        <a:rPr sz="1200" dirty="0" err="1"/>
+                        <a:t>기반</a:t>
+                      </a:r>
+                      <a:r>
+                        <a:rPr sz="1200" dirty="0"/>
+                        <a:t> </a:t>
+                      </a:r>
+                      <a:r>
+                        <a:rPr sz="1200" dirty="0" err="1"/>
+                        <a:t>상담사</a:t>
+                      </a:r>
+                      <a:r>
+                        <a:rPr sz="1200" dirty="0"/>
+                        <a:t> </a:t>
+                      </a:r>
+                      <a:r>
+                        <a:rPr sz="1200" dirty="0" err="1"/>
+                        <a:t>추천</a:t>
+                      </a:r>
+                      <a:endParaRPr sz="1200" dirty="0"/>
+                    </a:p>
+                  </a:txBody>
+                  <a:tcPr anchor="ctr"/>
+                </a:tc>
+                <a:extLst>
+                  <a:ext uri="{0D108BD9-81ED-4DB2-BD59-A6C34878D82A}">
+                    <a16:rowId xmlns:a16="http://schemas.microsoft.com/office/drawing/2014/main" val="10005"/>
+                  </a:ext>
+                </a:extLst>
+              </a:tr>
+              <a:tr h="653148">
+                <a:tc>
+                  <a:txBody>
+                    <a:bodyPr/>
+                    <a:lstStyle/>
+                    <a:p>
+                      <a:pPr algn="ctr"/>
+                      <a:r>
+                        <a:rPr sz="1200" b="1" dirty="0"/>
+                        <a:t>SNS/Streaming API</a:t>
+                      </a:r>
+                    </a:p>
+                  </a:txBody>
+                  <a:tcPr anchor="ctr"/>
+                </a:tc>
+                <a:tc>
+                  <a:txBody>
+                    <a:bodyPr/>
+                    <a:lstStyle/>
+                    <a:p>
+                      <a:r>
+                        <a:rPr sz="1200"/>
+                        <a:t>twitter / firebase</a:t>
+                      </a:r>
+                    </a:p>
+                  </a:txBody>
+                  <a:tcPr anchor="ctr"/>
+                </a:tc>
+                <a:tc>
+                  <a:txBody>
+                    <a:bodyPr/>
+                    <a:lstStyle/>
+                    <a:p>
+                      <a:r>
+                        <a:rPr sz="1200"/>
+                        <a:t>GET/STREAM</a:t>
+                      </a:r>
+                    </a:p>
+                  </a:txBody>
+                  <a:tcPr anchor="ctr"/>
+                </a:tc>
+                <a:tc>
+                  <a:txBody>
+                    <a:bodyPr/>
+                    <a:lstStyle/>
+                    <a:p>
+                      <a:r>
+                        <a:rPr sz="1200"/>
+                        <a:t>api.twitter.com/2/tweets/search</a:t>
+                      </a:r>
+                    </a:p>
+                  </a:txBody>
+                  <a:tcPr anchor="ctr"/>
+                </a:tc>
+                <a:tc>
+                  <a:txBody>
+                    <a:bodyPr/>
+                    <a:lstStyle/>
+                    <a:p>
+                      <a:r>
+                        <a:rPr sz="1200" dirty="0" err="1"/>
+                        <a:t>실시간</a:t>
+                      </a:r>
+                      <a:r>
+                        <a:rPr sz="1200" dirty="0"/>
+                        <a:t> </a:t>
+                      </a:r>
+                      <a:r>
+                        <a:rPr sz="1200" dirty="0" err="1"/>
+                        <a:t>감정·트렌드</a:t>
+                      </a:r>
+                      <a:r>
+                        <a:rPr sz="1200" dirty="0"/>
+                        <a:t> </a:t>
+                      </a:r>
+                      <a:r>
+                        <a:rPr sz="1200" dirty="0" err="1"/>
+                        <a:t>분석</a:t>
+                      </a:r>
+                      <a:endParaRPr sz="1200" dirty="0"/>
+                    </a:p>
+                  </a:txBody>
+                  <a:tcPr anchor="ctr"/>
+                </a:tc>
+                <a:extLst>
+                  <a:ext uri="{0D108BD9-81ED-4DB2-BD59-A6C34878D82A}">
+                    <a16:rowId xmlns:a16="http://schemas.microsoft.com/office/drawing/2014/main" val="10006"/>
+                  </a:ext>
+                </a:extLst>
+              </a:tr>
+            </a:tbl>
+          </a:graphicData>
+        </a:graphic>
+      </p:graphicFrame>
     </p:spTree>
     <p:extLst>
       <p:ext uri="{BB962C8B-B14F-4D97-AF65-F5344CB8AC3E}">
@@ -4263,6 +4962,1192 @@
 </file>
 
 <file path=ppt/slides/slide11.xml><?xml version="1.0" encoding="utf-8"?>
+<p:sld xmlns:a="http://schemas.openxmlformats.org/drawingml/2006/main" xmlns:r="http://schemas.openxmlformats.org/officeDocument/2006/relationships" xmlns:p="http://schemas.openxmlformats.org/presentationml/2006/main">
+  <p:cSld>
+    <p:bg>
+      <p:bgPr>
+        <a:solidFill>
+          <a:srgbClr val="2C3930"/>
+        </a:solidFill>
+        <a:effectLst/>
+      </p:bgPr>
+    </p:bg>
+    <p:spTree>
+      <p:nvGrpSpPr>
+        <p:cNvPr id="1" name="">
+          <a:extLst>
+            <a:ext uri="{FF2B5EF4-FFF2-40B4-BE49-F238E27FC236}">
+              <a16:creationId xmlns:a16="http://schemas.microsoft.com/office/drawing/2014/main" id="{5847136B-A6BB-1D81-FAFA-C79B68861646}"/>
+            </a:ext>
+          </a:extLst>
+        </p:cNvPr>
+        <p:cNvGrpSpPr/>
+        <p:nvPr/>
+      </p:nvGrpSpPr>
+      <p:grpSpPr>
+        <a:xfrm>
+          <a:off x="0" y="0"/>
+          <a:ext cx="0" cy="0"/>
+          <a:chOff x="0" y="0"/>
+          <a:chExt cx="0" cy="0"/>
+        </a:xfrm>
+      </p:grpSpPr>
+      <p:sp>
+        <p:nvSpPr>
+          <p:cNvPr id="16" name="제목 1">
+            <a:extLst>
+              <a:ext uri="{FF2B5EF4-FFF2-40B4-BE49-F238E27FC236}">
+                <a16:creationId xmlns:a16="http://schemas.microsoft.com/office/drawing/2014/main" id="{65E78ADC-476A-9454-1FF3-4C2A7C014EC9}"/>
+              </a:ext>
+            </a:extLst>
+          </p:cNvPr>
+          <p:cNvSpPr txBox="1">
+            <a:spLocks/>
+          </p:cNvSpPr>
+          <p:nvPr/>
+        </p:nvSpPr>
+        <p:spPr>
+          <a:xfrm>
+            <a:off x="0" y="1"/>
+            <a:ext cx="12191999" cy="1453881"/>
+          </a:xfrm>
+          <a:prstGeom prst="rect">
+            <a:avLst/>
+          </a:prstGeom>
+          <a:solidFill>
+            <a:schemeClr val="bg1"/>
+          </a:solidFill>
+        </p:spPr>
+        <p:txBody>
+          <a:bodyPr vert="horz" lIns="91440" tIns="45720" rIns="91440" bIns="45720" rtlCol="0" anchor="ctr">
+            <a:normAutofit/>
+          </a:bodyPr>
+          <a:lstStyle>
+            <a:lvl1pPr algn="l" defTabSz="914400" rtl="0" eaLnBrk="1" latinLnBrk="1" hangingPunct="1">
+              <a:lnSpc>
+                <a:spcPct val="90000"/>
+              </a:lnSpc>
+              <a:spcBef>
+                <a:spcPct val="0"/>
+              </a:spcBef>
+              <a:buNone/>
+              <a:defRPr sz="4400" kern="1200">
+                <a:solidFill>
+                  <a:schemeClr val="tx1"/>
+                </a:solidFill>
+                <a:latin typeface="+mj-lt"/>
+                <a:ea typeface="+mj-ea"/>
+                <a:cs typeface="+mj-cs"/>
+              </a:defRPr>
+            </a:lvl1pPr>
+          </a:lstStyle>
+          <a:p>
+            <a:pPr marL="0" marR="0" lvl="0" indent="0" algn="ctr" defTabSz="914400" rtl="0" eaLnBrk="1" fontAlgn="auto" latinLnBrk="1" hangingPunct="1">
+              <a:lnSpc>
+                <a:spcPct val="90000"/>
+              </a:lnSpc>
+              <a:spcBef>
+                <a:spcPct val="0"/>
+              </a:spcBef>
+              <a:spcAft>
+                <a:spcPts val="0"/>
+              </a:spcAft>
+              <a:buClrTx/>
+              <a:buSzTx/>
+              <a:buFontTx/>
+              <a:buNone/>
+              <a:tabLst/>
+              <a:defRPr/>
+            </a:pPr>
+            <a:r>
+              <a:rPr kumimoji="0" lang="en-US" altLang="ko-KR" sz="4400" b="0" i="0" u="none" strike="noStrike" kern="1200" cap="none" spc="0" normalizeH="0" baseline="0" noProof="0" dirty="0">
+                <a:ln>
+                  <a:noFill/>
+                </a:ln>
+                <a:solidFill>
+                  <a:prstClr val="black"/>
+                </a:solidFill>
+                <a:effectLst/>
+                <a:uLnTx/>
+                <a:uFillTx/>
+                <a:latin typeface="맑은 고딕" panose="020F0302020204030204"/>
+                <a:ea typeface="맑은 고딕" panose="020B0503020000020004" pitchFamily="50" charset="-127"/>
+                <a:cs typeface="+mj-cs"/>
+              </a:rPr>
+              <a:t>2. </a:t>
+            </a:r>
+            <a:r>
+              <a:rPr kumimoji="0" lang="ko-KR" altLang="en-US" sz="4400" b="0" i="0" u="none" strike="noStrike" kern="1200" cap="none" spc="0" normalizeH="0" baseline="0" noProof="0" dirty="0">
+                <a:ln>
+                  <a:noFill/>
+                </a:ln>
+                <a:solidFill>
+                  <a:prstClr val="black"/>
+                </a:solidFill>
+                <a:effectLst/>
+                <a:uLnTx/>
+                <a:uFillTx/>
+                <a:latin typeface="맑은 고딕" panose="020F0302020204030204"/>
+                <a:ea typeface="맑은 고딕" panose="020B0503020000020004" pitchFamily="50" charset="-127"/>
+                <a:cs typeface="+mj-cs"/>
+              </a:rPr>
+              <a:t>내부 수집 </a:t>
+            </a:r>
+            <a:r>
+              <a:rPr kumimoji="0" lang="en-US" altLang="ko-KR" sz="4400" b="0" i="0" u="none" strike="noStrike" kern="1200" cap="none" spc="0" normalizeH="0" baseline="0" noProof="0" dirty="0">
+                <a:ln>
+                  <a:noFill/>
+                </a:ln>
+                <a:solidFill>
+                  <a:prstClr val="black"/>
+                </a:solidFill>
+                <a:effectLst/>
+                <a:uLnTx/>
+                <a:uFillTx/>
+                <a:latin typeface="맑은 고딕" panose="020F0302020204030204"/>
+                <a:ea typeface="맑은 고딕" panose="020B0503020000020004" pitchFamily="50" charset="-127"/>
+                <a:cs typeface="+mj-cs"/>
+              </a:rPr>
+              <a:t>API</a:t>
+            </a:r>
+            <a:endParaRPr kumimoji="0" lang="ko-KR" altLang="en-US" sz="4400" b="0" i="0" u="none" strike="noStrike" kern="1200" cap="none" spc="0" normalizeH="0" baseline="0" noProof="0" dirty="0">
+              <a:ln>
+                <a:noFill/>
+              </a:ln>
+              <a:solidFill>
+                <a:prstClr val="black"/>
+              </a:solidFill>
+              <a:effectLst/>
+              <a:uLnTx/>
+              <a:uFillTx/>
+              <a:latin typeface="맑은 고딕" panose="020F0302020204030204"/>
+              <a:ea typeface="맑은 고딕" panose="020B0503020000020004" pitchFamily="50" charset="-127"/>
+              <a:cs typeface="+mj-cs"/>
+            </a:endParaRPr>
+          </a:p>
+        </p:txBody>
+      </p:sp>
+      <p:pic>
+        <p:nvPicPr>
+          <p:cNvPr id="3" name="그림 2" descr="일러스트레이션, 선그림, 디자인이(가) 표시된 사진&#10;&#10;AI 생성 콘텐츠는 정확하지 않을 수 있습니다.">
+            <a:extLst>
+              <a:ext uri="{FF2B5EF4-FFF2-40B4-BE49-F238E27FC236}">
+                <a16:creationId xmlns:a16="http://schemas.microsoft.com/office/drawing/2014/main" id="{EDF55BD1-195D-E2CC-A2C8-8DB3D9357D84}"/>
+              </a:ext>
+            </a:extLst>
+          </p:cNvPr>
+          <p:cNvPicPr>
+            <a:picLocks noChangeAspect="1"/>
+          </p:cNvPicPr>
+          <p:nvPr/>
+        </p:nvPicPr>
+        <p:blipFill>
+          <a:blip r:embed="rId2">
+            <a:extLst>
+              <a:ext uri="{28A0092B-C50C-407E-A947-70E740481C1C}">
+                <a14:useLocalDpi xmlns:a14="http://schemas.microsoft.com/office/drawing/2010/main" val="0"/>
+              </a:ext>
+            </a:extLst>
+          </a:blip>
+          <a:stretch>
+            <a:fillRect/>
+          </a:stretch>
+        </p:blipFill>
+        <p:spPr>
+          <a:xfrm>
+            <a:off x="312511" y="319316"/>
+            <a:ext cx="815249" cy="815249"/>
+          </a:xfrm>
+          <a:prstGeom prst="rect">
+            <a:avLst/>
+          </a:prstGeom>
+        </p:spPr>
+      </p:pic>
+      <p:sp>
+        <p:nvSpPr>
+          <p:cNvPr id="42" name="TextBox 41">
+            <a:extLst>
+              <a:ext uri="{FF2B5EF4-FFF2-40B4-BE49-F238E27FC236}">
+                <a16:creationId xmlns:a16="http://schemas.microsoft.com/office/drawing/2014/main" id="{E081CC60-FAA6-4FCF-900D-7F243F1B55D5}"/>
+              </a:ext>
+            </a:extLst>
+          </p:cNvPr>
+          <p:cNvSpPr txBox="1"/>
+          <p:nvPr/>
+        </p:nvSpPr>
+        <p:spPr>
+          <a:xfrm>
+            <a:off x="11513819" y="6389609"/>
+            <a:ext cx="678180" cy="369332"/>
+          </a:xfrm>
+          <a:prstGeom prst="rect">
+            <a:avLst/>
+          </a:prstGeom>
+          <a:noFill/>
+        </p:spPr>
+        <p:txBody>
+          <a:bodyPr wrap="square" rtlCol="0">
+            <a:spAutoFit/>
+          </a:bodyPr>
+          <a:lstStyle/>
+          <a:p>
+            <a:pPr marL="0" marR="0" lvl="0" indent="0" algn="ctr" defTabSz="914400" rtl="0" eaLnBrk="1" fontAlgn="auto" latinLnBrk="1" hangingPunct="1">
+              <a:lnSpc>
+                <a:spcPct val="100000"/>
+              </a:lnSpc>
+              <a:spcBef>
+                <a:spcPts val="0"/>
+              </a:spcBef>
+              <a:spcAft>
+                <a:spcPts val="0"/>
+              </a:spcAft>
+              <a:buClrTx/>
+              <a:buSzTx/>
+              <a:buFontTx/>
+              <a:buNone/>
+              <a:tabLst/>
+              <a:defRPr/>
+            </a:pPr>
+            <a:r>
+              <a:rPr kumimoji="0" lang="en-US" altLang="ko-KR" sz="1800" b="0" i="0" u="none" strike="noStrike" kern="1200" cap="none" spc="0" normalizeH="0" baseline="0" noProof="0" dirty="0">
+                <a:ln>
+                  <a:noFill/>
+                </a:ln>
+                <a:solidFill>
+                  <a:prstClr val="white"/>
+                </a:solidFill>
+                <a:effectLst/>
+                <a:uLnTx/>
+                <a:uFillTx/>
+                <a:latin typeface="맑은 고딕" panose="020F0502020204030204"/>
+                <a:ea typeface="맑은 고딕" panose="020B0503020000020004" pitchFamily="50" charset="-127"/>
+                <a:cs typeface="+mn-cs"/>
+              </a:rPr>
+              <a:t>4</a:t>
+            </a:r>
+            <a:endParaRPr kumimoji="0" lang="ko-KR" altLang="en-US" sz="1800" b="0" i="0" u="none" strike="noStrike" kern="1200" cap="none" spc="0" normalizeH="0" baseline="0" noProof="0" dirty="0">
+              <a:ln>
+                <a:noFill/>
+              </a:ln>
+              <a:solidFill>
+                <a:prstClr val="white"/>
+              </a:solidFill>
+              <a:effectLst/>
+              <a:uLnTx/>
+              <a:uFillTx/>
+              <a:latin typeface="맑은 고딕" panose="020F0502020204030204"/>
+              <a:ea typeface="맑은 고딕" panose="020B0503020000020004" pitchFamily="50" charset="-127"/>
+              <a:cs typeface="+mn-cs"/>
+            </a:endParaRPr>
+          </a:p>
+        </p:txBody>
+      </p:sp>
+      <p:graphicFrame>
+        <p:nvGraphicFramePr>
+          <p:cNvPr id="7" name="Table 2">
+            <a:extLst>
+              <a:ext uri="{FF2B5EF4-FFF2-40B4-BE49-F238E27FC236}">
+                <a16:creationId xmlns:a16="http://schemas.microsoft.com/office/drawing/2014/main" id="{2C13C44A-9EF0-47AA-A714-AEE8DF4D9669}"/>
+              </a:ext>
+            </a:extLst>
+          </p:cNvPr>
+          <p:cNvGraphicFramePr>
+            <a:graphicFrameLocks noGrp="1"/>
+          </p:cNvGraphicFramePr>
+          <p:nvPr>
+            <p:extLst>
+              <p:ext uri="{D42A27DB-BD31-4B8C-83A1-F6EECF244321}">
+                <p14:modId xmlns:p14="http://schemas.microsoft.com/office/powerpoint/2010/main" val="4084994203"/>
+              </p:ext>
+            </p:extLst>
+          </p:nvPr>
+        </p:nvGraphicFramePr>
+        <p:xfrm>
+          <a:off x="697832" y="1773197"/>
+          <a:ext cx="10815986" cy="4667693"/>
+        </p:xfrm>
+        <a:graphic>
+          <a:graphicData uri="http://schemas.openxmlformats.org/drawingml/2006/table">
+            <a:tbl>
+              <a:tblPr firstRow="1" bandRow="1">
+                <a:tableStyleId>{F5AB1C69-6EDB-4FF4-983F-18BD219EF322}</a:tableStyleId>
+              </a:tblPr>
+              <a:tblGrid>
+                <a:gridCol w="1339122">
+                  <a:extLst>
+                    <a:ext uri="{9D8B030D-6E8A-4147-A177-3AD203B41FA5}">
+                      <a16:colId xmlns:a16="http://schemas.microsoft.com/office/drawing/2014/main" val="20000"/>
+                    </a:ext>
+                  </a:extLst>
+                </a:gridCol>
+                <a:gridCol w="1545141">
+                  <a:extLst>
+                    <a:ext uri="{9D8B030D-6E8A-4147-A177-3AD203B41FA5}">
+                      <a16:colId xmlns:a16="http://schemas.microsoft.com/office/drawing/2014/main" val="20001"/>
+                    </a:ext>
+                  </a:extLst>
+                </a:gridCol>
+                <a:gridCol w="1030093">
+                  <a:extLst>
+                    <a:ext uri="{9D8B030D-6E8A-4147-A177-3AD203B41FA5}">
+                      <a16:colId xmlns:a16="http://schemas.microsoft.com/office/drawing/2014/main" val="20002"/>
+                    </a:ext>
+                  </a:extLst>
+                </a:gridCol>
+                <a:gridCol w="2781254">
+                  <a:extLst>
+                    <a:ext uri="{9D8B030D-6E8A-4147-A177-3AD203B41FA5}">
+                      <a16:colId xmlns:a16="http://schemas.microsoft.com/office/drawing/2014/main" val="20003"/>
+                    </a:ext>
+                  </a:extLst>
+                </a:gridCol>
+                <a:gridCol w="2781254">
+                  <a:extLst>
+                    <a:ext uri="{9D8B030D-6E8A-4147-A177-3AD203B41FA5}">
+                      <a16:colId xmlns:a16="http://schemas.microsoft.com/office/drawing/2014/main" val="20004"/>
+                    </a:ext>
+                  </a:extLst>
+                </a:gridCol>
+                <a:gridCol w="1339122">
+                  <a:extLst>
+                    <a:ext uri="{9D8B030D-6E8A-4147-A177-3AD203B41FA5}">
+                      <a16:colId xmlns:a16="http://schemas.microsoft.com/office/drawing/2014/main" val="20005"/>
+                    </a:ext>
+                  </a:extLst>
+                </a:gridCol>
+              </a:tblGrid>
+              <a:tr h="644333">
+                <a:tc>
+                  <a:txBody>
+                    <a:bodyPr/>
+                    <a:lstStyle/>
+                    <a:p>
+                      <a:pPr algn="ctr"/>
+                      <a:r>
+                        <a:rPr sz="1000" dirty="0" err="1"/>
+                        <a:t>시스템</a:t>
+                      </a:r>
+                      <a:endParaRPr sz="1000" dirty="0"/>
+                    </a:p>
+                  </a:txBody>
+                  <a:tcPr anchor="ctr"/>
+                </a:tc>
+                <a:tc>
+                  <a:txBody>
+                    <a:bodyPr/>
+                    <a:lstStyle/>
+                    <a:p>
+                      <a:pPr algn="ctr"/>
+                      <a:r>
+                        <a:rPr sz="1000" dirty="0"/>
+                        <a:t>API/</a:t>
+                      </a:r>
+                      <a:r>
+                        <a:rPr sz="1000" dirty="0" err="1"/>
+                        <a:t>엔드포인트</a:t>
+                      </a:r>
+                      <a:endParaRPr sz="1000" dirty="0"/>
+                    </a:p>
+                  </a:txBody>
+                  <a:tcPr anchor="ctr"/>
+                </a:tc>
+                <a:tc>
+                  <a:txBody>
+                    <a:bodyPr/>
+                    <a:lstStyle/>
+                    <a:p>
+                      <a:pPr algn="ctr"/>
+                      <a:r>
+                        <a:rPr sz="1000" dirty="0" err="1"/>
+                        <a:t>메서드</a:t>
+                      </a:r>
+                      <a:endParaRPr sz="1000" dirty="0"/>
+                    </a:p>
+                  </a:txBody>
+                  <a:tcPr anchor="ctr"/>
+                </a:tc>
+                <a:tc>
+                  <a:txBody>
+                    <a:bodyPr/>
+                    <a:lstStyle/>
+                    <a:p>
+                      <a:pPr algn="ctr"/>
+                      <a:r>
+                        <a:rPr sz="1000" dirty="0" err="1"/>
+                        <a:t>요청</a:t>
+                      </a:r>
+                      <a:r>
+                        <a:rPr sz="1000" dirty="0"/>
+                        <a:t> </a:t>
+                      </a:r>
+                      <a:r>
+                        <a:rPr sz="1000" dirty="0" err="1"/>
+                        <a:t>파라미터</a:t>
+                      </a:r>
+                      <a:r>
+                        <a:rPr sz="1000" dirty="0"/>
+                        <a:t>/</a:t>
+                      </a:r>
+                      <a:r>
+                        <a:rPr sz="1000" dirty="0" err="1"/>
+                        <a:t>바디</a:t>
+                      </a:r>
+                      <a:r>
+                        <a:rPr sz="1000" dirty="0"/>
+                        <a:t>(</a:t>
+                      </a:r>
+                      <a:r>
+                        <a:rPr sz="1000" dirty="0" err="1"/>
+                        <a:t>타입</a:t>
+                      </a:r>
+                      <a:r>
+                        <a:rPr sz="1000" dirty="0"/>
+                        <a:t>)</a:t>
+                      </a:r>
+                    </a:p>
+                  </a:txBody>
+                  <a:tcPr anchor="ctr"/>
+                </a:tc>
+                <a:tc>
+                  <a:txBody>
+                    <a:bodyPr/>
+                    <a:lstStyle/>
+                    <a:p>
+                      <a:pPr algn="ctr"/>
+                      <a:r>
+                        <a:rPr sz="1000" dirty="0" err="1"/>
+                        <a:t>반환</a:t>
+                      </a:r>
+                      <a:r>
+                        <a:rPr sz="1000" dirty="0"/>
+                        <a:t> </a:t>
+                      </a:r>
+                      <a:r>
+                        <a:rPr sz="1000" dirty="0" err="1"/>
+                        <a:t>자료형</a:t>
+                      </a:r>
+                      <a:r>
+                        <a:rPr sz="1000" dirty="0"/>
+                        <a:t>(</a:t>
+                      </a:r>
+                      <a:r>
+                        <a:rPr sz="1000" dirty="0" err="1"/>
+                        <a:t>타입</a:t>
+                      </a:r>
+                      <a:r>
+                        <a:rPr sz="1000" dirty="0"/>
+                        <a:t>)</a:t>
+                      </a:r>
+                    </a:p>
+                  </a:txBody>
+                  <a:tcPr anchor="ctr"/>
+                </a:tc>
+                <a:tc>
+                  <a:txBody>
+                    <a:bodyPr/>
+                    <a:lstStyle/>
+                    <a:p>
+                      <a:pPr algn="ctr"/>
+                      <a:r>
+                        <a:rPr sz="1000" dirty="0" err="1"/>
+                        <a:t>비고</a:t>
+                      </a:r>
+                      <a:endParaRPr sz="1000" dirty="0"/>
+                    </a:p>
+                  </a:txBody>
+                  <a:tcPr anchor="ctr"/>
+                </a:tc>
+                <a:extLst>
+                  <a:ext uri="{0D108BD9-81ED-4DB2-BD59-A6C34878D82A}">
+                    <a16:rowId xmlns:a16="http://schemas.microsoft.com/office/drawing/2014/main" val="10000"/>
+                  </a:ext>
+                </a:extLst>
+              </a:tr>
+              <a:tr h="1005840">
+                <a:tc>
+                  <a:txBody>
+                    <a:bodyPr/>
+                    <a:lstStyle/>
+                    <a:p>
+                      <a:pPr algn="ctr"/>
+                      <a:r>
+                        <a:rPr sz="1000" b="1" dirty="0" err="1"/>
+                        <a:t>수집</a:t>
+                      </a:r>
+                      <a:r>
+                        <a:rPr sz="1000" b="1" dirty="0"/>
+                        <a:t> API GW</a:t>
+                      </a:r>
+                    </a:p>
+                  </a:txBody>
+                  <a:tcPr anchor="ctr"/>
+                </a:tc>
+                <a:tc>
+                  <a:txBody>
+                    <a:bodyPr/>
+                    <a:lstStyle/>
+                    <a:p>
+                      <a:r>
+                        <a:rPr sz="1000" dirty="0"/>
+                        <a:t>/v1/users</a:t>
+                      </a:r>
+                    </a:p>
+                  </a:txBody>
+                  <a:tcPr anchor="ctr"/>
+                </a:tc>
+                <a:tc>
+                  <a:txBody>
+                    <a:bodyPr/>
+                    <a:lstStyle/>
+                    <a:p>
+                      <a:r>
+                        <a:rPr sz="1000" dirty="0"/>
+                        <a:t>POST</a:t>
+                      </a:r>
+                    </a:p>
+                  </a:txBody>
+                  <a:tcPr anchor="ctr"/>
+                </a:tc>
+                <a:tc>
+                  <a:txBody>
+                    <a:bodyPr/>
+                    <a:lstStyle/>
+                    <a:p>
+                      <a:r>
+                        <a:rPr sz="1000" dirty="0"/>
+                        <a:t>Body(JSON)</a:t>
+                      </a:r>
+                    </a:p>
+                    <a:p>
+                      <a:r>
+                        <a:rPr sz="1000" dirty="0"/>
+                        <a:t>· </a:t>
+                      </a:r>
+                      <a:r>
+                        <a:rPr sz="1000" dirty="0" err="1"/>
+                        <a:t>user_token</a:t>
+                      </a:r>
+                      <a:r>
+                        <a:rPr sz="1000" dirty="0"/>
+                        <a:t> : string (</a:t>
+                      </a:r>
+                      <a:r>
+                        <a:rPr sz="1000" dirty="0" err="1"/>
+                        <a:t>필수</a:t>
+                      </a:r>
+                      <a:r>
+                        <a:rPr sz="1000" dirty="0"/>
+                        <a:t>)</a:t>
+                      </a:r>
+                    </a:p>
+                    <a:p>
+                      <a:r>
+                        <a:rPr sz="1000" dirty="0"/>
+                        <a:t>· age : int</a:t>
+                      </a:r>
+                    </a:p>
+                    <a:p>
+                      <a:r>
+                        <a:rPr sz="1000" dirty="0"/>
+                        <a:t>· gender : string</a:t>
+                      </a:r>
+                    </a:p>
+                    <a:p>
+                      <a:r>
+                        <a:rPr sz="1000" dirty="0"/>
+                        <a:t>· illness : string (</a:t>
+                      </a:r>
+                      <a:r>
+                        <a:rPr sz="1000" dirty="0" err="1"/>
+                        <a:t>선택</a:t>
+                      </a:r>
+                      <a:r>
+                        <a:rPr sz="1000" dirty="0"/>
+                        <a:t>)</a:t>
+                      </a:r>
+                    </a:p>
+                    <a:p>
+                      <a:r>
+                        <a:rPr sz="1000" dirty="0"/>
+                        <a:t>· </a:t>
+                      </a:r>
+                      <a:r>
+                        <a:rPr sz="1000" dirty="0" err="1"/>
+                        <a:t>ts</a:t>
+                      </a:r>
+                      <a:r>
+                        <a:rPr sz="1000" dirty="0"/>
+                        <a:t> : string(ISO8601, </a:t>
+                      </a:r>
+                      <a:r>
+                        <a:rPr sz="1000" dirty="0" err="1"/>
+                        <a:t>선택</a:t>
+                      </a:r>
+                      <a:r>
+                        <a:rPr sz="1000" dirty="0"/>
+                        <a:t>)</a:t>
+                      </a:r>
+                    </a:p>
+                  </a:txBody>
+                  <a:tcPr anchor="ctr"/>
+                </a:tc>
+                <a:tc>
+                  <a:txBody>
+                    <a:bodyPr/>
+                    <a:lstStyle/>
+                    <a:p>
+                      <a:r>
+                        <a:rPr sz="1000"/>
+                        <a:t>HTTP 201 · application/json</a:t>
+                      </a:r>
+                    </a:p>
+                    <a:p>
+                      <a:r>
+                        <a:rPr sz="1000"/>
+                        <a:t>{"user_id": number, "status": "created", "received_at": "YYYY-MM-DDThh:mm:ss.sssZ" }</a:t>
+                      </a:r>
+                    </a:p>
+                  </a:txBody>
+                  <a:tcPr anchor="ctr"/>
+                </a:tc>
+                <a:tc>
+                  <a:txBody>
+                    <a:bodyPr/>
+                    <a:lstStyle/>
+                    <a:p>
+                      <a:r>
+                        <a:rPr sz="1000"/>
+                        <a:t>사용자 기본 프로필 수집</a:t>
+                      </a:r>
+                    </a:p>
+                  </a:txBody>
+                  <a:tcPr anchor="ctr"/>
+                </a:tc>
+                <a:extLst>
+                  <a:ext uri="{0D108BD9-81ED-4DB2-BD59-A6C34878D82A}">
+                    <a16:rowId xmlns:a16="http://schemas.microsoft.com/office/drawing/2014/main" val="10001"/>
+                  </a:ext>
+                </a:extLst>
+              </a:tr>
+              <a:tr h="1005840">
+                <a:tc>
+                  <a:txBody>
+                    <a:bodyPr/>
+                    <a:lstStyle/>
+                    <a:p>
+                      <a:pPr algn="ctr"/>
+                      <a:r>
+                        <a:rPr sz="1000" b="1" dirty="0" err="1"/>
+                        <a:t>수집</a:t>
+                      </a:r>
+                      <a:r>
+                        <a:rPr sz="1000" b="1" dirty="0"/>
+                        <a:t> API GW</a:t>
+                      </a:r>
+                    </a:p>
+                  </a:txBody>
+                  <a:tcPr anchor="ctr"/>
+                </a:tc>
+                <a:tc>
+                  <a:txBody>
+                    <a:bodyPr/>
+                    <a:lstStyle/>
+                    <a:p>
+                      <a:r>
+                        <a:rPr sz="1000"/>
+                        <a:t>/v1/reviews</a:t>
+                      </a:r>
+                    </a:p>
+                  </a:txBody>
+                  <a:tcPr anchor="ctr"/>
+                </a:tc>
+                <a:tc>
+                  <a:txBody>
+                    <a:bodyPr/>
+                    <a:lstStyle/>
+                    <a:p>
+                      <a:r>
+                        <a:rPr sz="1000"/>
+                        <a:t>POST</a:t>
+                      </a:r>
+                    </a:p>
+                  </a:txBody>
+                  <a:tcPr anchor="ctr"/>
+                </a:tc>
+                <a:tc>
+                  <a:txBody>
+                    <a:bodyPr/>
+                    <a:lstStyle/>
+                    <a:p>
+                      <a:r>
+                        <a:rPr sz="1000"/>
+                        <a:t>Body(JSON)</a:t>
+                      </a:r>
+                    </a:p>
+                    <a:p>
+                      <a:r>
+                        <a:rPr sz="1000"/>
+                        <a:t>· user_token : string (필수)</a:t>
+                      </a:r>
+                    </a:p>
+                    <a:p>
+                      <a:r>
+                        <a:rPr sz="1000"/>
+                        <a:t>· review_text : string (필수)</a:t>
+                      </a:r>
+                    </a:p>
+                    <a:p>
+                      <a:r>
+                        <a:rPr sz="1000"/>
+                        <a:t>· rating : int (1~5)</a:t>
+                      </a:r>
+                    </a:p>
+                    <a:p>
+                      <a:r>
+                        <a:rPr sz="1000"/>
+                        <a:t>· ts : string(ISO8601, 선택)</a:t>
+                      </a:r>
+                    </a:p>
+                  </a:txBody>
+                  <a:tcPr anchor="ctr"/>
+                </a:tc>
+                <a:tc>
+                  <a:txBody>
+                    <a:bodyPr/>
+                    <a:lstStyle/>
+                    <a:p>
+                      <a:r>
+                        <a:rPr sz="1000" dirty="0"/>
+                        <a:t>HTTP 200 · application/json</a:t>
+                      </a:r>
+                    </a:p>
+                    <a:p>
+                      <a:r>
+                        <a:rPr sz="1000" dirty="0"/>
+                        <a:t>{"</a:t>
+                      </a:r>
+                      <a:r>
+                        <a:rPr sz="1000" dirty="0" err="1"/>
+                        <a:t>review_id</a:t>
+                      </a:r>
+                      <a:r>
+                        <a:rPr sz="1000" dirty="0"/>
+                        <a:t>": number, "status": "ok", "</a:t>
+                      </a:r>
+                      <a:r>
+                        <a:rPr sz="1000" dirty="0" err="1"/>
+                        <a:t>created_at</a:t>
+                      </a:r>
+                      <a:r>
+                        <a:rPr sz="1000" dirty="0"/>
+                        <a:t>": "</a:t>
+                      </a:r>
+                      <a:r>
+                        <a:rPr sz="1000" dirty="0" err="1"/>
+                        <a:t>YYYY-MM-DDThh:mm:ss.sssZ</a:t>
+                      </a:r>
+                      <a:r>
+                        <a:rPr sz="1000" dirty="0"/>
+                        <a:t>" }</a:t>
+                      </a:r>
+                    </a:p>
+                  </a:txBody>
+                  <a:tcPr anchor="ctr"/>
+                </a:tc>
+                <a:tc>
+                  <a:txBody>
+                    <a:bodyPr/>
+                    <a:lstStyle/>
+                    <a:p>
+                      <a:r>
+                        <a:rPr sz="1000"/>
+                        <a:t>상담 후기/리뷰 데이터 수집</a:t>
+                      </a:r>
+                    </a:p>
+                  </a:txBody>
+                  <a:tcPr anchor="ctr"/>
+                </a:tc>
+                <a:extLst>
+                  <a:ext uri="{0D108BD9-81ED-4DB2-BD59-A6C34878D82A}">
+                    <a16:rowId xmlns:a16="http://schemas.microsoft.com/office/drawing/2014/main" val="10002"/>
+                  </a:ext>
+                </a:extLst>
+              </a:tr>
+              <a:tr h="1005840">
+                <a:tc>
+                  <a:txBody>
+                    <a:bodyPr/>
+                    <a:lstStyle/>
+                    <a:p>
+                      <a:pPr algn="ctr"/>
+                      <a:r>
+                        <a:rPr sz="1000" b="1" dirty="0" err="1"/>
+                        <a:t>수집</a:t>
+                      </a:r>
+                      <a:r>
+                        <a:rPr sz="1000" b="1" dirty="0"/>
+                        <a:t> API GW</a:t>
+                      </a:r>
+                    </a:p>
+                  </a:txBody>
+                  <a:tcPr anchor="ctr"/>
+                </a:tc>
+                <a:tc>
+                  <a:txBody>
+                    <a:bodyPr/>
+                    <a:lstStyle/>
+                    <a:p>
+                      <a:r>
+                        <a:rPr sz="1000"/>
+                        <a:t>/v1/sessions</a:t>
+                      </a:r>
+                    </a:p>
+                  </a:txBody>
+                  <a:tcPr anchor="ctr"/>
+                </a:tc>
+                <a:tc>
+                  <a:txBody>
+                    <a:bodyPr/>
+                    <a:lstStyle/>
+                    <a:p>
+                      <a:r>
+                        <a:rPr sz="1000"/>
+                        <a:t>POST</a:t>
+                      </a:r>
+                    </a:p>
+                  </a:txBody>
+                  <a:tcPr anchor="ctr"/>
+                </a:tc>
+                <a:tc>
+                  <a:txBody>
+                    <a:bodyPr/>
+                    <a:lstStyle/>
+                    <a:p>
+                      <a:r>
+                        <a:rPr sz="1000"/>
+                        <a:t>Body(JSON)</a:t>
+                      </a:r>
+                    </a:p>
+                    <a:p>
+                      <a:r>
+                        <a:rPr sz="1000"/>
+                        <a:t>· user_token : string (필수)</a:t>
+                      </a:r>
+                    </a:p>
+                    <a:p>
+                      <a:r>
+                        <a:rPr sz="1000"/>
+                        <a:t>· counselor_id : int (필수)</a:t>
+                      </a:r>
+                    </a:p>
+                    <a:p>
+                      <a:r>
+                        <a:rPr sz="1000"/>
+                        <a:t>· duration : int (분)</a:t>
+                      </a:r>
+                    </a:p>
+                    <a:p>
+                      <a:r>
+                        <a:rPr sz="1000"/>
+                        <a:t>· transcript : string (선택)</a:t>
+                      </a:r>
+                    </a:p>
+                    <a:p>
+                      <a:r>
+                        <a:rPr sz="1000"/>
+                        <a:t>· ts : string(ISO8601, 선택)</a:t>
+                      </a:r>
+                    </a:p>
+                  </a:txBody>
+                  <a:tcPr anchor="ctr"/>
+                </a:tc>
+                <a:tc>
+                  <a:txBody>
+                    <a:bodyPr/>
+                    <a:lstStyle/>
+                    <a:p>
+                      <a:r>
+                        <a:rPr sz="1000"/>
+                        <a:t>HTTP 200 · application/json</a:t>
+                      </a:r>
+                    </a:p>
+                    <a:p>
+                      <a:r>
+                        <a:rPr sz="1000"/>
+                        <a:t>{"session_id": number, "status": "completed", "logged_at": "YYYY-MM-DDThh:mm:ss.sssZ" }</a:t>
+                      </a:r>
+                    </a:p>
+                  </a:txBody>
+                  <a:tcPr anchor="ctr"/>
+                </a:tc>
+                <a:tc>
+                  <a:txBody>
+                    <a:bodyPr/>
+                    <a:lstStyle/>
+                    <a:p>
+                      <a:r>
+                        <a:rPr sz="1000"/>
+                        <a:t>상담 세션 기록 (대화 로그 포함)</a:t>
+                      </a:r>
+                    </a:p>
+                  </a:txBody>
+                  <a:tcPr anchor="ctr"/>
+                </a:tc>
+                <a:extLst>
+                  <a:ext uri="{0D108BD9-81ED-4DB2-BD59-A6C34878D82A}">
+                    <a16:rowId xmlns:a16="http://schemas.microsoft.com/office/drawing/2014/main" val="10003"/>
+                  </a:ext>
+                </a:extLst>
+              </a:tr>
+              <a:tr h="1005840">
+                <a:tc>
+                  <a:txBody>
+                    <a:bodyPr/>
+                    <a:lstStyle/>
+                    <a:p>
+                      <a:pPr algn="ctr"/>
+                      <a:r>
+                        <a:rPr sz="1000" b="1" dirty="0" err="1"/>
+                        <a:t>수집</a:t>
+                      </a:r>
+                      <a:r>
+                        <a:rPr sz="1000" b="1" dirty="0"/>
+                        <a:t> API GW</a:t>
+                      </a:r>
+                    </a:p>
+                  </a:txBody>
+                  <a:tcPr anchor="ctr"/>
+                </a:tc>
+                <a:tc>
+                  <a:txBody>
+                    <a:bodyPr/>
+                    <a:lstStyle/>
+                    <a:p>
+                      <a:r>
+                        <a:rPr sz="1000"/>
+                        <a:t>/v1/feedbacks</a:t>
+                      </a:r>
+                    </a:p>
+                  </a:txBody>
+                  <a:tcPr anchor="ctr"/>
+                </a:tc>
+                <a:tc>
+                  <a:txBody>
+                    <a:bodyPr/>
+                    <a:lstStyle/>
+                    <a:p>
+                      <a:r>
+                        <a:rPr sz="1000"/>
+                        <a:t>POST</a:t>
+                      </a:r>
+                    </a:p>
+                  </a:txBody>
+                  <a:tcPr anchor="ctr"/>
+                </a:tc>
+                <a:tc>
+                  <a:txBody>
+                    <a:bodyPr/>
+                    <a:lstStyle/>
+                    <a:p>
+                      <a:r>
+                        <a:rPr sz="1000" dirty="0"/>
+                        <a:t>Body(JSON)</a:t>
+                      </a:r>
+                    </a:p>
+                    <a:p>
+                      <a:r>
+                        <a:rPr sz="1000" dirty="0"/>
+                        <a:t>· </a:t>
+                      </a:r>
+                      <a:r>
+                        <a:rPr sz="1000" dirty="0" err="1"/>
+                        <a:t>user_token</a:t>
+                      </a:r>
+                      <a:r>
+                        <a:rPr sz="1000" dirty="0"/>
+                        <a:t> : string (</a:t>
+                      </a:r>
+                      <a:r>
+                        <a:rPr sz="1000" dirty="0" err="1"/>
+                        <a:t>필수</a:t>
+                      </a:r>
+                      <a:r>
+                        <a:rPr sz="1000" dirty="0"/>
+                        <a:t>)</a:t>
+                      </a:r>
+                    </a:p>
+                    <a:p>
+                      <a:r>
+                        <a:rPr sz="1000" dirty="0"/>
+                        <a:t>· </a:t>
+                      </a:r>
+                      <a:r>
+                        <a:rPr sz="1000" dirty="0" err="1"/>
+                        <a:t>counselor_id</a:t>
+                      </a:r>
+                      <a:r>
+                        <a:rPr sz="1000" dirty="0"/>
+                        <a:t> : int (</a:t>
+                      </a:r>
+                      <a:r>
+                        <a:rPr sz="1000" dirty="0" err="1"/>
+                        <a:t>필수</a:t>
+                      </a:r>
+                      <a:r>
+                        <a:rPr sz="1000" dirty="0"/>
+                        <a:t>)</a:t>
+                      </a:r>
+                    </a:p>
+                    <a:p>
+                      <a:r>
+                        <a:rPr sz="1000" dirty="0"/>
+                        <a:t>· satisfaction : int (1~5)</a:t>
+                      </a:r>
+                    </a:p>
+                    <a:p>
+                      <a:r>
+                        <a:rPr sz="1000" dirty="0"/>
+                        <a:t>· comment : string (</a:t>
+                      </a:r>
+                      <a:r>
+                        <a:rPr sz="1000" dirty="0" err="1"/>
+                        <a:t>선택</a:t>
+                      </a:r>
+                      <a:r>
+                        <a:rPr sz="1000" dirty="0"/>
+                        <a:t>)</a:t>
+                      </a:r>
+                    </a:p>
+                    <a:p>
+                      <a:r>
+                        <a:rPr sz="1000" dirty="0"/>
+                        <a:t>· </a:t>
+                      </a:r>
+                      <a:r>
+                        <a:rPr sz="1000" dirty="0" err="1"/>
+                        <a:t>ts</a:t>
+                      </a:r>
+                      <a:r>
+                        <a:rPr sz="1000" dirty="0"/>
+                        <a:t> : string(ISO8601, </a:t>
+                      </a:r>
+                      <a:r>
+                        <a:rPr sz="1000" dirty="0" err="1"/>
+                        <a:t>선택</a:t>
+                      </a:r>
+                      <a:r>
+                        <a:rPr sz="1000" dirty="0"/>
+                        <a:t>)</a:t>
+                      </a:r>
+                    </a:p>
+                  </a:txBody>
+                  <a:tcPr anchor="ctr"/>
+                </a:tc>
+                <a:tc>
+                  <a:txBody>
+                    <a:bodyPr/>
+                    <a:lstStyle/>
+                    <a:p>
+                      <a:r>
+                        <a:rPr sz="1000" dirty="0"/>
+                        <a:t>HTTP 200 · application/json</a:t>
+                      </a:r>
+                    </a:p>
+                    <a:p>
+                      <a:r>
+                        <a:rPr sz="1000" dirty="0"/>
+                        <a:t>{"</a:t>
+                      </a:r>
+                      <a:r>
+                        <a:rPr sz="1000" dirty="0" err="1"/>
+                        <a:t>feedback_id</a:t>
+                      </a:r>
+                      <a:r>
+                        <a:rPr sz="1000" dirty="0"/>
+                        <a:t>": number, "status": "received", "</a:t>
+                      </a:r>
+                      <a:r>
+                        <a:rPr sz="1000" dirty="0" err="1"/>
+                        <a:t>updated_at</a:t>
+                      </a:r>
+                      <a:r>
+                        <a:rPr sz="1000" dirty="0"/>
+                        <a:t>": "</a:t>
+                      </a:r>
+                      <a:r>
+                        <a:rPr sz="1000" dirty="0" err="1"/>
+                        <a:t>YYYY-MM-DDThh:mm:ss.sssZ</a:t>
+                      </a:r>
+                      <a:r>
+                        <a:rPr sz="1000" dirty="0"/>
+                        <a:t>" }</a:t>
+                      </a:r>
+                    </a:p>
+                  </a:txBody>
+                  <a:tcPr anchor="ctr"/>
+                </a:tc>
+                <a:tc>
+                  <a:txBody>
+                    <a:bodyPr/>
+                    <a:lstStyle/>
+                    <a:p>
+                      <a:r>
+                        <a:rPr sz="1000" dirty="0" err="1"/>
+                        <a:t>상담</a:t>
+                      </a:r>
+                      <a:r>
+                        <a:rPr sz="1000" dirty="0"/>
+                        <a:t> </a:t>
+                      </a:r>
+                      <a:r>
+                        <a:rPr sz="1000" dirty="0" err="1"/>
+                        <a:t>종료</a:t>
+                      </a:r>
+                      <a:r>
+                        <a:rPr sz="1000" dirty="0"/>
+                        <a:t> 후 </a:t>
+                      </a:r>
+                      <a:r>
+                        <a:rPr sz="1000" dirty="0" err="1"/>
+                        <a:t>만족도</a:t>
+                      </a:r>
+                      <a:r>
+                        <a:rPr sz="1000" dirty="0"/>
+                        <a:t> 및 </a:t>
+                      </a:r>
+                      <a:r>
+                        <a:rPr sz="1000" dirty="0" err="1"/>
+                        <a:t>피드백</a:t>
+                      </a:r>
+                      <a:endParaRPr sz="1000" dirty="0"/>
+                    </a:p>
+                  </a:txBody>
+                  <a:tcPr anchor="ctr"/>
+                </a:tc>
+                <a:extLst>
+                  <a:ext uri="{0D108BD9-81ED-4DB2-BD59-A6C34878D82A}">
+                    <a16:rowId xmlns:a16="http://schemas.microsoft.com/office/drawing/2014/main" val="10004"/>
+                  </a:ext>
+                </a:extLst>
+              </a:tr>
+            </a:tbl>
+          </a:graphicData>
+        </a:graphic>
+      </p:graphicFrame>
+    </p:spTree>
+    <p:extLst>
+      <p:ext uri="{BB962C8B-B14F-4D97-AF65-F5344CB8AC3E}">
+        <p14:creationId xmlns:p14="http://schemas.microsoft.com/office/powerpoint/2010/main" val="4210138137"/>
+      </p:ext>
+    </p:extLst>
+  </p:cSld>
+  <p:clrMapOvr>
+    <a:masterClrMapping/>
+  </p:clrMapOvr>
+</p:sld>
+</file>
+
+<file path=ppt/slides/slide12.xml><?xml version="1.0" encoding="utf-8"?>
 <p:sld xmlns:a="http://schemas.openxmlformats.org/drawingml/2006/main" xmlns:r="http://schemas.openxmlformats.org/officeDocument/2006/relationships" xmlns:p="http://schemas.openxmlformats.org/presentationml/2006/main">
   <p:cSld>
     <p:bg>
@@ -9375,14 +11260,14 @@
           <p:nvPr>
             <p:extLst>
               <p:ext uri="{D42A27DB-BD31-4B8C-83A1-F6EECF244321}">
-                <p14:modId xmlns:p14="http://schemas.microsoft.com/office/powerpoint/2010/main" val="3330479110"/>
+                <p14:modId xmlns:p14="http://schemas.microsoft.com/office/powerpoint/2010/main" val="3152702353"/>
               </p:ext>
             </p:extLst>
           </p:nvPr>
         </p:nvGraphicFramePr>
         <p:xfrm>
-          <a:off x="2031999" y="2223822"/>
-          <a:ext cx="8128000" cy="3715746"/>
+          <a:off x="1291389" y="2561259"/>
+          <a:ext cx="9889958" cy="2957778"/>
         </p:xfrm>
         <a:graphic>
           <a:graphicData uri="http://schemas.openxmlformats.org/drawingml/2006/table">
@@ -9391,7 +11276,7 @@
                 <a:tableStyleId>{F5AB1C69-6EDB-4FF4-983F-18BD219EF322}</a:tableStyleId>
               </a:tblPr>
               <a:tblGrid>
-                <a:gridCol w="8128000">
+                <a:gridCol w="9889958">
                   <a:extLst>
                     <a:ext uri="{9D8B030D-6E8A-4147-A177-3AD203B41FA5}">
                       <a16:colId xmlns:a16="http://schemas.microsoft.com/office/drawing/2014/main" val="1644613078"/>
@@ -9399,7 +11284,7 @@
                   </a:extLst>
                 </a:gridCol>
               </a:tblGrid>
-              <a:tr h="556253">
+              <a:tr h="442784">
                 <a:tc>
                   <a:txBody>
                     <a:bodyPr/>
@@ -9407,15 +11292,15 @@
                     <a:p>
                       <a:pPr algn="ctr" latinLnBrk="1"/>
                       <a:r>
-                        <a:rPr lang="ko-KR" altLang="en-US" dirty="0"/>
+                        <a:rPr lang="ko-KR" altLang="en-US" sz="1200" dirty="0"/>
                         <a:t>주제 </a:t>
                       </a:r>
                       <a:r>
-                        <a:rPr lang="en-US" altLang="ko-KR" dirty="0"/>
+                        <a:rPr lang="en-US" altLang="ko-KR" sz="1200" dirty="0"/>
                         <a:t>: </a:t>
                       </a:r>
                       <a:r>
-                        <a:rPr lang="ko-KR" altLang="en-US" dirty="0"/>
+                        <a:rPr lang="ko-KR" altLang="en-US" sz="1200" dirty="0"/>
                         <a:t>사용자 리뷰 데이터 기반 맞춤형 상담사 추천 알고리즘 활용</a:t>
                       </a:r>
                     </a:p>
@@ -9428,7 +11313,7 @@
                   </a:ext>
                 </a:extLst>
               </a:tr>
-              <a:tr h="3159493">
+              <a:tr h="2514994">
                 <a:tc>
                   <a:txBody>
                     <a:bodyPr/>
@@ -9441,10 +11326,10 @@
                         <a:buAutoNum type="arabicPeriod"/>
                       </a:pPr>
                       <a:r>
-                        <a:rPr lang="ko-KR" altLang="en-US" sz="1600" dirty="0"/>
+                        <a:rPr lang="ko-KR" altLang="en-US" sz="1200" dirty="0"/>
                         <a:t>분석 목적 및 범위</a:t>
                       </a:r>
-                      <a:endParaRPr lang="en-US" altLang="ko-KR" sz="1600" dirty="0"/>
+                      <a:endParaRPr lang="en-US" altLang="ko-KR" sz="1200" dirty="0"/>
                     </a:p>
                     <a:p>
                       <a:pPr marL="342900" indent="-342900" algn="l" latinLnBrk="1">
@@ -9454,10 +11339,10 @@
                         <a:buAutoNum type="arabicPeriod"/>
                       </a:pPr>
                       <a:r>
-                        <a:rPr lang="ko-KR" altLang="en-US" sz="1600" dirty="0"/>
+                        <a:rPr lang="ko-KR" altLang="en-US" sz="1200" dirty="0"/>
                         <a:t>회귀 분석 기법 선정</a:t>
                       </a:r>
-                      <a:endParaRPr lang="en-US" altLang="ko-KR" sz="1600" dirty="0"/>
+                      <a:endParaRPr lang="en-US" altLang="ko-KR" sz="1200" dirty="0"/>
                     </a:p>
                     <a:p>
                       <a:pPr marL="342900" indent="-342900" algn="l" latinLnBrk="1">
@@ -9467,10 +11352,10 @@
                         <a:buAutoNum type="arabicPeriod"/>
                       </a:pPr>
                       <a:r>
-                        <a:rPr lang="ko-KR" altLang="en-US" sz="1600" dirty="0"/>
+                        <a:rPr lang="ko-KR" altLang="en-US" sz="1200" dirty="0"/>
                         <a:t>분석 절차 및 프로세스</a:t>
                       </a:r>
-                      <a:endParaRPr lang="en-US" altLang="ko-KR" sz="1600" dirty="0"/>
+                      <a:endParaRPr lang="en-US" altLang="ko-KR" sz="1200" dirty="0"/>
                     </a:p>
                     <a:p>
                       <a:pPr marL="342900" indent="-342900" algn="l" latinLnBrk="1">
@@ -9480,10 +11365,10 @@
                         <a:buAutoNum type="arabicPeriod"/>
                       </a:pPr>
                       <a:r>
-                        <a:rPr lang="ko-KR" altLang="en-US" sz="1600" dirty="0"/>
+                        <a:rPr lang="ko-KR" altLang="en-US" sz="1200" dirty="0"/>
                         <a:t>분석 도구 및 환경</a:t>
                       </a:r>
-                      <a:endParaRPr lang="en-US" altLang="ko-KR" sz="1600" dirty="0"/>
+                      <a:endParaRPr lang="en-US" altLang="ko-KR" sz="1200" dirty="0"/>
                     </a:p>
                     <a:p>
                       <a:pPr marL="342900" indent="-342900" algn="l" latinLnBrk="1">
@@ -9493,10 +11378,10 @@
                         <a:buAutoNum type="arabicPeriod"/>
                       </a:pPr>
                       <a:r>
-                        <a:rPr lang="ko-KR" altLang="en-US" sz="1600" dirty="0"/>
+                        <a:rPr lang="ko-KR" altLang="en-US" sz="1200" dirty="0"/>
                         <a:t>성능 평가 지표</a:t>
                       </a:r>
-                      <a:endParaRPr lang="en-US" altLang="ko-KR" sz="1600" dirty="0"/>
+                      <a:endParaRPr lang="en-US" altLang="ko-KR" sz="1200" dirty="0"/>
                     </a:p>
                     <a:p>
                       <a:pPr marL="342900" indent="-342900" algn="l" latinLnBrk="1">
@@ -9506,10 +11391,10 @@
                         <a:buAutoNum type="arabicPeriod"/>
                       </a:pPr>
                       <a:r>
-                        <a:rPr lang="ko-KR" altLang="en-US" sz="1600" dirty="0"/>
+                        <a:rPr lang="ko-KR" altLang="en-US" sz="1200" dirty="0"/>
                         <a:t>기대 효과</a:t>
                       </a:r>
-                      <a:endParaRPr lang="en-US" altLang="ko-KR" sz="1600" dirty="0"/>
+                      <a:endParaRPr lang="en-US" altLang="ko-KR" sz="1200" dirty="0"/>
                     </a:p>
                     <a:p>
                       <a:pPr marL="342900" indent="-342900" algn="l" latinLnBrk="1">
@@ -9519,7 +11404,7 @@
                         <a:buAutoNum type="arabicPeriod"/>
                       </a:pPr>
                       <a:r>
-                        <a:rPr lang="ko-KR" altLang="en-US" sz="1600" dirty="0"/>
+                        <a:rPr lang="ko-KR" altLang="en-US" sz="1200" dirty="0"/>
                         <a:t>결론</a:t>
                       </a:r>
                     </a:p>
@@ -9814,7 +11699,7 @@
           <p:nvPr>
             <p:extLst>
               <p:ext uri="{D42A27DB-BD31-4B8C-83A1-F6EECF244321}">
-                <p14:modId xmlns:p14="http://schemas.microsoft.com/office/powerpoint/2010/main" val="2814578464"/>
+                <p14:modId xmlns:p14="http://schemas.microsoft.com/office/powerpoint/2010/main" val="3258892628"/>
               </p:ext>
             </p:extLst>
           </p:nvPr>
@@ -9853,7 +11738,7 @@
                     <a:p>
                       <a:pPr algn="ctr" latinLnBrk="1"/>
                       <a:r>
-                        <a:rPr lang="ko-KR" altLang="en-US" sz="1400" dirty="0"/>
+                        <a:rPr lang="ko-KR" altLang="en-US" sz="1200" dirty="0"/>
                         <a:t>구분</a:t>
                       </a:r>
                     </a:p>
@@ -9867,7 +11752,7 @@
                     <a:p>
                       <a:pPr algn="ctr" latinLnBrk="1"/>
                       <a:r>
-                        <a:rPr lang="ko-KR" altLang="en-US" sz="1400" dirty="0"/>
+                        <a:rPr lang="ko-KR" altLang="en-US" sz="1200" dirty="0"/>
                         <a:t>내용</a:t>
                       </a:r>
                     </a:p>
@@ -9888,11 +11773,11 @@
                     <a:p>
                       <a:pPr algn="ctr" latinLnBrk="1"/>
                       <a:r>
-                        <a:rPr lang="en-US" altLang="ko-KR" sz="1400" b="1" dirty="0"/>
+                        <a:rPr lang="en-US" altLang="ko-KR" sz="1200" b="1" dirty="0"/>
                         <a:t>1. </a:t>
                       </a:r>
                       <a:r>
-                        <a:rPr lang="ko-KR" altLang="en-US" sz="1400" b="1" dirty="0"/>
+                        <a:rPr lang="ko-KR" altLang="en-US" sz="1200" b="1" dirty="0"/>
                         <a:t>분석 목적 및 범위</a:t>
                       </a:r>
                     </a:p>
@@ -9909,105 +11794,105 @@
                         <a:buNone/>
                       </a:pPr>
                       <a:r>
-                        <a:rPr lang="en-US" altLang="ko-KR" sz="1400" dirty="0"/>
+                        <a:rPr lang="en-US" altLang="ko-KR" sz="1200" dirty="0"/>
                         <a:t>- </a:t>
                       </a:r>
                       <a:r>
-                        <a:rPr lang="ko-KR" altLang="en-US" sz="1400" b="1" dirty="0"/>
+                        <a:rPr lang="ko-KR" altLang="en-US" sz="1200" b="1" dirty="0"/>
                         <a:t>목적</a:t>
                       </a:r>
                       <a:r>
-                        <a:rPr lang="en-US" altLang="ko-KR" sz="1400" dirty="0"/>
+                        <a:rPr lang="en-US" altLang="ko-KR" sz="1200" dirty="0"/>
                         <a:t>: </a:t>
                       </a:r>
                       <a:r>
-                        <a:rPr lang="ko-KR" altLang="en-US" sz="1400" dirty="0"/>
+                        <a:rPr lang="ko-KR" altLang="en-US" sz="1200" dirty="0"/>
                         <a:t>사용자 리뷰와 특성을 활용하여 감정 상태</a:t>
                       </a:r>
                       <a:r>
-                        <a:rPr lang="en-US" altLang="ko-KR" sz="1400" dirty="0"/>
+                        <a:rPr lang="en-US" altLang="ko-KR" sz="1200" dirty="0"/>
                         <a:t>(</a:t>
                       </a:r>
                       <a:r>
-                        <a:rPr lang="ko-KR" altLang="en-US" sz="1400" dirty="0"/>
+                        <a:rPr lang="ko-KR" altLang="en-US" sz="1200" dirty="0"/>
                         <a:t>분노</a:t>
                       </a:r>
                       <a:r>
-                        <a:rPr lang="en-US" altLang="ko-KR" sz="1400" dirty="0"/>
+                        <a:rPr lang="en-US" altLang="ko-KR" sz="1200" dirty="0"/>
                         <a:t>, </a:t>
                       </a:r>
                       <a:r>
-                        <a:rPr lang="ko-KR" altLang="en-US" sz="1400" dirty="0"/>
+                        <a:rPr lang="ko-KR" altLang="en-US" sz="1200" dirty="0"/>
                         <a:t>불안</a:t>
                       </a:r>
                       <a:r>
-                        <a:rPr lang="en-US" altLang="ko-KR" sz="1400" dirty="0"/>
+                        <a:rPr lang="en-US" altLang="ko-KR" sz="1200" dirty="0"/>
                         <a:t>, </a:t>
                       </a:r>
                       <a:r>
-                        <a:rPr lang="ko-KR" altLang="en-US" sz="1400" dirty="0"/>
+                        <a:rPr lang="ko-KR" altLang="en-US" sz="1200" dirty="0"/>
                         <a:t>우울 등</a:t>
                       </a:r>
                       <a:r>
-                        <a:rPr lang="en-US" altLang="ko-KR" sz="1400" dirty="0"/>
+                        <a:rPr lang="en-US" altLang="ko-KR" sz="1200" dirty="0"/>
                         <a:t>)</a:t>
                       </a:r>
                       <a:r>
-                        <a:rPr lang="ko-KR" altLang="en-US" sz="1400" dirty="0"/>
+                        <a:rPr lang="ko-KR" altLang="en-US" sz="1200" dirty="0"/>
                         <a:t>를 분류하고 맞춤형 상담사를 추천</a:t>
                       </a:r>
                       <a:br>
-                        <a:rPr lang="ko-KR" altLang="en-US" sz="1400" dirty="0"/>
+                        <a:rPr lang="ko-KR" altLang="en-US" sz="1200" dirty="0"/>
                       </a:br>
                       <a:r>
-                        <a:rPr lang="en-US" altLang="ko-KR" sz="1400" dirty="0"/>
+                        <a:rPr lang="en-US" altLang="ko-KR" sz="1200" dirty="0"/>
                         <a:t>- </a:t>
                       </a:r>
                       <a:r>
-                        <a:rPr lang="ko-KR" altLang="en-US" sz="1400" b="1" dirty="0"/>
+                        <a:rPr lang="ko-KR" altLang="en-US" sz="1200" b="1" dirty="0"/>
                         <a:t>범위</a:t>
                       </a:r>
                       <a:r>
-                        <a:rPr lang="en-US" altLang="ko-KR" sz="1400" dirty="0"/>
+                        <a:rPr lang="en-US" altLang="ko-KR" sz="1200" dirty="0"/>
                         <a:t>: </a:t>
                       </a:r>
                       <a:r>
-                        <a:rPr lang="ko-KR" altLang="en-US" sz="1400" dirty="0"/>
+                        <a:rPr lang="ko-KR" altLang="en-US" sz="1200" dirty="0"/>
                         <a:t>연령</a:t>
                       </a:r>
                       <a:r>
-                        <a:rPr lang="en-US" altLang="ko-KR" sz="1400" dirty="0"/>
+                        <a:rPr lang="en-US" altLang="ko-KR" sz="1200" dirty="0"/>
                         <a:t>, </a:t>
                       </a:r>
                       <a:r>
-                        <a:rPr lang="ko-KR" altLang="en-US" sz="1400" dirty="0"/>
+                        <a:rPr lang="ko-KR" altLang="en-US" sz="1200" dirty="0"/>
                         <a:t>성별</a:t>
                       </a:r>
                       <a:r>
-                        <a:rPr lang="en-US" altLang="ko-KR" sz="1400" dirty="0"/>
+                        <a:rPr lang="en-US" altLang="ko-KR" sz="1200" dirty="0"/>
                         <a:t>, </a:t>
                       </a:r>
                       <a:r>
-                        <a:rPr lang="ko-KR" altLang="en-US" sz="1400" dirty="0"/>
+                        <a:rPr lang="ko-KR" altLang="en-US" sz="1200" dirty="0"/>
                         <a:t>상황 키워드</a:t>
                       </a:r>
                       <a:r>
-                        <a:rPr lang="en-US" altLang="ko-KR" sz="1400" dirty="0"/>
+                        <a:rPr lang="en-US" altLang="ko-KR" sz="1200" dirty="0"/>
                         <a:t>, </a:t>
                       </a:r>
                       <a:r>
-                        <a:rPr lang="ko-KR" altLang="en-US" sz="1400" dirty="0"/>
+                        <a:rPr lang="ko-KR" altLang="en-US" sz="1200" dirty="0"/>
                         <a:t>신체질환</a:t>
                       </a:r>
                       <a:r>
-                        <a:rPr lang="en-US" altLang="ko-KR" sz="1400" dirty="0"/>
+                        <a:rPr lang="en-US" altLang="ko-KR" sz="1200" dirty="0"/>
                         <a:t>, </a:t>
                       </a:r>
                       <a:r>
-                        <a:rPr lang="ko-KR" altLang="en-US" sz="1400" dirty="0"/>
+                        <a:rPr lang="ko-KR" altLang="en-US" sz="1200" dirty="0"/>
                         <a:t>리뷰 문장 텍스트 등을 입력 변수로 활용</a:t>
                       </a:r>
-                      <a:endParaRPr lang="ko-KR" altLang="en-US" sz="1400" b="0" dirty="0">
+                      <a:endParaRPr lang="ko-KR" altLang="en-US" sz="1200" b="0" dirty="0">
                         <a:latin typeface="+mj-lt"/>
                       </a:endParaRPr>
                     </a:p>
@@ -10028,11 +11913,11 @@
                     <a:p>
                       <a:pPr algn="ctr" latinLnBrk="1"/>
                       <a:r>
-                        <a:rPr lang="en-US" altLang="ko-KR" sz="1400" b="1" dirty="0"/>
+                        <a:rPr lang="en-US" altLang="ko-KR" sz="1200" b="1" dirty="0"/>
                         <a:t>2. </a:t>
                       </a:r>
                       <a:r>
-                        <a:rPr lang="ko-KR" altLang="en-US" sz="1400" b="1" dirty="0"/>
+                        <a:rPr lang="ko-KR" altLang="en-US" sz="1200" b="1" dirty="0"/>
                         <a:t>회귀 분석 기법 선정</a:t>
                       </a:r>
                     </a:p>
@@ -10049,19 +11934,19 @@
                         <a:buChar char="-"/>
                       </a:pPr>
                       <a:r>
-                        <a:rPr lang="ko-KR" altLang="en-US" sz="1400" b="0" dirty="0"/>
+                        <a:rPr lang="ko-KR" altLang="en-US" sz="1200" b="0" dirty="0"/>
                         <a:t>기본 모델</a:t>
                       </a:r>
                       <a:r>
-                        <a:rPr lang="en-US" altLang="ko-KR" sz="1400" b="0" dirty="0"/>
+                        <a:rPr lang="en-US" altLang="ko-KR" sz="1200" b="0" dirty="0"/>
                         <a:t> </a:t>
                       </a:r>
                       <a:r>
-                        <a:rPr lang="ko-KR" altLang="en-US" sz="1400" b="0" dirty="0"/>
+                        <a:rPr lang="ko-KR" altLang="en-US" sz="1200" b="0" dirty="0"/>
                         <a:t>선형 회귀</a:t>
                       </a:r>
                       <a:r>
-                        <a:rPr lang="en-US" altLang="ko-KR" sz="1400" b="0" dirty="0"/>
+                        <a:rPr lang="en-US" altLang="ko-KR" sz="1200" b="0" dirty="0"/>
                         <a:t>(Linear Regression)</a:t>
                       </a:r>
                     </a:p>
@@ -10071,27 +11956,27 @@
                         <a:buChar char="-"/>
                       </a:pPr>
                       <a:r>
-                        <a:rPr lang="ko-KR" altLang="en-US" sz="1400" b="0" dirty="0"/>
+                        <a:rPr lang="ko-KR" altLang="en-US" sz="1200" b="0" dirty="0"/>
                         <a:t>고급 모델 </a:t>
                       </a:r>
                       <a:r>
-                        <a:rPr lang="en-US" altLang="ko-KR" sz="1400" b="0" dirty="0"/>
+                        <a:rPr lang="en-US" altLang="ko-KR" sz="1200" b="0" dirty="0"/>
                         <a:t>: </a:t>
                       </a:r>
                       <a:r>
-                        <a:rPr lang="en-US" altLang="ko-KR" sz="1400" b="0" dirty="0" err="1"/>
+                        <a:rPr lang="en-US" altLang="ko-KR" sz="1200" b="0" dirty="0" err="1"/>
                         <a:t>XGBoost</a:t>
                       </a:r>
                       <a:r>
-                        <a:rPr lang="en-US" altLang="ko-KR" sz="1400" b="0" dirty="0"/>
+                        <a:rPr lang="en-US" altLang="ko-KR" sz="1200" b="0" dirty="0"/>
                         <a:t>, </a:t>
                       </a:r>
                       <a:r>
-                        <a:rPr lang="en-US" altLang="ko-KR" sz="1400" b="0" dirty="0" err="1"/>
+                        <a:rPr lang="en-US" altLang="ko-KR" sz="1200" b="0" dirty="0" err="1"/>
                         <a:t>LightGBM</a:t>
                       </a:r>
                       <a:r>
-                        <a:rPr lang="en-US" altLang="ko-KR" sz="1400" b="0" dirty="0"/>
+                        <a:rPr lang="en-US" altLang="ko-KR" sz="1200" b="0" dirty="0"/>
                         <a:t>, Random Forest </a:t>
                       </a:r>
                     </a:p>
@@ -10101,43 +11986,43 @@
                         <a:buChar char="-"/>
                       </a:pPr>
                       <a:r>
-                        <a:rPr lang="ko-KR" altLang="en-US" sz="1400" b="0" dirty="0"/>
+                        <a:rPr lang="ko-KR" altLang="en-US" sz="1200" b="0" dirty="0"/>
                         <a:t>활용 방식 </a:t>
                       </a:r>
                       <a:r>
-                        <a:rPr lang="en-US" altLang="ko-KR" sz="1400" b="0" dirty="0"/>
+                        <a:rPr lang="en-US" altLang="ko-KR" sz="1200" b="0" dirty="0"/>
                         <a:t>: </a:t>
                       </a:r>
                       <a:r>
-                        <a:rPr lang="ko-KR" altLang="en-US" sz="1400" b="0" dirty="0"/>
+                        <a:rPr lang="ko-KR" altLang="en-US" sz="1200" b="0" dirty="0"/>
                         <a:t>예시</a:t>
                       </a:r>
                       <a:r>
-                        <a:rPr lang="en-US" altLang="ko-KR" sz="1400" b="0" dirty="0"/>
+                        <a:rPr lang="en-US" altLang="ko-KR" sz="1200" b="0" dirty="0"/>
                         <a:t>) </a:t>
                       </a:r>
                       <a:r>
-                        <a:rPr lang="ko-KR" altLang="en-US" sz="1400" b="0" dirty="0" err="1"/>
+                        <a:rPr lang="ko-KR" altLang="en-US" sz="1200" b="0" dirty="0" err="1"/>
                         <a:t>상황키워드</a:t>
                       </a:r>
                       <a:r>
-                        <a:rPr lang="ko-KR" altLang="en-US" sz="1400" b="0" dirty="0"/>
+                        <a:rPr lang="ko-KR" altLang="en-US" sz="1200" b="0" dirty="0"/>
                         <a:t> </a:t>
                       </a:r>
                       <a:r>
-                        <a:rPr lang="en-US" altLang="ko-KR" sz="1400" b="0" dirty="0"/>
+                        <a:rPr lang="en-US" altLang="ko-KR" sz="1200" b="0" dirty="0"/>
                         <a:t>+ </a:t>
                       </a:r>
                       <a:r>
-                        <a:rPr lang="ko-KR" altLang="en-US" sz="1400" b="0" dirty="0"/>
+                        <a:rPr lang="ko-KR" altLang="en-US" sz="1200" b="0" dirty="0"/>
                         <a:t>신체질환 </a:t>
                       </a:r>
                       <a:r>
-                        <a:rPr lang="en-US" altLang="ko-KR" sz="1400" b="0" dirty="0"/>
+                        <a:rPr lang="en-US" altLang="ko-KR" sz="1200" b="0" dirty="0"/>
                         <a:t>+ </a:t>
                       </a:r>
                       <a:r>
-                        <a:rPr lang="ko-KR" altLang="en-US" sz="1400" b="0" dirty="0"/>
+                        <a:rPr lang="ko-KR" altLang="en-US" sz="1200" b="0" dirty="0"/>
                         <a:t>감정 상태 → 상담사 매칭</a:t>
                       </a:r>
                     </a:p>
@@ -10158,11 +12043,11 @@
                     <a:p>
                       <a:pPr algn="ctr" latinLnBrk="1"/>
                       <a:r>
-                        <a:rPr lang="en-US" altLang="ko-KR" sz="1400" b="1" dirty="0"/>
+                        <a:rPr lang="en-US" altLang="ko-KR" sz="1200" b="1" dirty="0"/>
                         <a:t>3. </a:t>
                       </a:r>
                       <a:r>
-                        <a:rPr lang="ko-KR" altLang="en-US" sz="1400" b="1" dirty="0"/>
+                        <a:rPr lang="ko-KR" altLang="en-US" sz="1200" b="1" dirty="0"/>
                         <a:t>분석 절차 및 프로세스</a:t>
                       </a:r>
                     </a:p>
@@ -10176,7 +12061,7 @@
                     <a:p>
                       <a:pPr algn="l" latinLnBrk="1"/>
                       <a:r>
-                        <a:rPr lang="en-US" altLang="ko-KR" sz="1400" b="0" i="0" kern="1200" dirty="0">
+                        <a:rPr lang="en-US" altLang="ko-KR" sz="1200" b="0" i="0" kern="1200" dirty="0">
                           <a:solidFill>
                             <a:schemeClr val="dk1"/>
                           </a:solidFill>
@@ -10188,7 +12073,7 @@
                         <a:t>1) </a:t>
                       </a:r>
                       <a:r>
-                        <a:rPr lang="ko-KR" altLang="en-US" sz="1400" b="0" i="0" kern="1200" dirty="0">
+                        <a:rPr lang="ko-KR" altLang="en-US" sz="1200" b="0" i="0" kern="1200" dirty="0">
                           <a:solidFill>
                             <a:schemeClr val="dk1"/>
                           </a:solidFill>
@@ -10200,7 +12085,7 @@
                         <a:t>문제 정의</a:t>
                       </a:r>
                       <a:r>
-                        <a:rPr lang="en-US" altLang="ko-KR" sz="1400" b="0" i="0" kern="1200" dirty="0">
+                        <a:rPr lang="en-US" altLang="ko-KR" sz="1200" b="0" i="0" kern="1200" dirty="0">
                           <a:solidFill>
                             <a:schemeClr val="dk1"/>
                           </a:solidFill>
@@ -10212,7 +12097,7 @@
                         <a:t>(Problem Definition)</a:t>
                       </a:r>
                       <a:br>
-                        <a:rPr lang="en-US" altLang="ko-KR" sz="1400" b="0" i="0" kern="1200" dirty="0">
+                        <a:rPr lang="en-US" altLang="ko-KR" sz="1200" b="0" i="0" kern="1200" dirty="0">
                           <a:solidFill>
                             <a:schemeClr val="dk1"/>
                           </a:solidFill>
@@ -10223,7 +12108,7 @@
                         </a:rPr>
                       </a:br>
                       <a:r>
-                        <a:rPr lang="en-US" altLang="ko-KR" sz="1400" b="0" i="0" kern="1200" dirty="0">
+                        <a:rPr lang="en-US" altLang="ko-KR" sz="1200" b="0" i="0" kern="1200" dirty="0">
                           <a:solidFill>
                             <a:schemeClr val="dk1"/>
                           </a:solidFill>
@@ -10235,7 +12120,7 @@
                         <a:t>2) </a:t>
                       </a:r>
                       <a:r>
-                        <a:rPr lang="ko-KR" altLang="en-US" sz="1400" b="0" i="0" kern="1200" dirty="0">
+                        <a:rPr lang="ko-KR" altLang="en-US" sz="1200" b="0" i="0" kern="1200" dirty="0">
                           <a:solidFill>
                             <a:schemeClr val="dk1"/>
                           </a:solidFill>
@@ -10247,7 +12132,7 @@
                         <a:t>데이터 수집</a:t>
                       </a:r>
                       <a:r>
-                        <a:rPr lang="en-US" altLang="ko-KR" sz="1400" b="0" i="0" kern="1200" dirty="0">
+                        <a:rPr lang="en-US" altLang="ko-KR" sz="1200" b="0" i="0" kern="1200" dirty="0">
                           <a:solidFill>
                             <a:schemeClr val="dk1"/>
                           </a:solidFill>
@@ -10259,7 +12144,7 @@
                         <a:t>(Data Collection)</a:t>
                       </a:r>
                       <a:br>
-                        <a:rPr lang="en-US" altLang="ko-KR" sz="1400" b="0" i="0" kern="1200" dirty="0">
+                        <a:rPr lang="en-US" altLang="ko-KR" sz="1200" b="0" i="0" kern="1200" dirty="0">
                           <a:solidFill>
                             <a:schemeClr val="dk1"/>
                           </a:solidFill>
@@ -10270,7 +12155,7 @@
                         </a:rPr>
                       </a:br>
                       <a:r>
-                        <a:rPr lang="en-US" altLang="ko-KR" sz="1400" b="0" i="0" kern="1200" dirty="0">
+                        <a:rPr lang="en-US" altLang="ko-KR" sz="1200" b="0" i="0" kern="1200" dirty="0">
                           <a:solidFill>
                             <a:schemeClr val="dk1"/>
                           </a:solidFill>
@@ -10282,7 +12167,7 @@
                         <a:t>3) </a:t>
                       </a:r>
                       <a:r>
-                        <a:rPr lang="ko-KR" altLang="en-US" sz="1400" b="0" i="0" kern="1200" dirty="0">
+                        <a:rPr lang="ko-KR" altLang="en-US" sz="1200" b="0" i="0" kern="1200" dirty="0">
                           <a:solidFill>
                             <a:schemeClr val="dk1"/>
                           </a:solidFill>
@@ -10294,7 +12179,7 @@
                         <a:t>데이터 </a:t>
                       </a:r>
                       <a:r>
-                        <a:rPr lang="ko-KR" altLang="en-US" sz="1400" b="0" i="0" kern="1200" dirty="0" err="1">
+                        <a:rPr lang="ko-KR" altLang="en-US" sz="1200" b="0" i="0" kern="1200" dirty="0" err="1">
                           <a:solidFill>
                             <a:schemeClr val="dk1"/>
                           </a:solidFill>
@@ -10306,7 +12191,7 @@
                         <a:t>전처리</a:t>
                       </a:r>
                       <a:r>
-                        <a:rPr lang="en-US" altLang="ko-KR" sz="1400" b="0" i="0" kern="1200" dirty="0">
+                        <a:rPr lang="en-US" altLang="ko-KR" sz="1200" b="0" i="0" kern="1200" dirty="0">
                           <a:solidFill>
                             <a:schemeClr val="dk1"/>
                           </a:solidFill>
@@ -10318,7 +12203,7 @@
                         <a:t>(Data Preprocessing)</a:t>
                       </a:r>
                       <a:br>
-                        <a:rPr lang="en-US" altLang="ko-KR" sz="1400" b="0" i="0" kern="1200" dirty="0">
+                        <a:rPr lang="en-US" altLang="ko-KR" sz="1200" b="0" i="0" kern="1200" dirty="0">
                           <a:solidFill>
                             <a:schemeClr val="dk1"/>
                           </a:solidFill>
@@ -10329,7 +12214,7 @@
                         </a:rPr>
                       </a:br>
                       <a:r>
-                        <a:rPr lang="en-US" altLang="ko-KR" sz="1400" b="0" i="0" kern="1200" dirty="0">
+                        <a:rPr lang="en-US" altLang="ko-KR" sz="1200" b="0" i="0" kern="1200" dirty="0">
                           <a:solidFill>
                             <a:schemeClr val="dk1"/>
                           </a:solidFill>
@@ -10341,7 +12226,7 @@
                         <a:t>4) </a:t>
                       </a:r>
                       <a:r>
-                        <a:rPr lang="ko-KR" altLang="en-US" sz="1400" b="0" i="0" kern="1200" dirty="0">
+                        <a:rPr lang="ko-KR" altLang="en-US" sz="1200" b="0" i="0" kern="1200" dirty="0">
                           <a:solidFill>
                             <a:schemeClr val="dk1"/>
                           </a:solidFill>
@@ -10353,7 +12238,7 @@
                         <a:t>탐색적 데이터 분석</a:t>
                       </a:r>
                       <a:r>
-                        <a:rPr lang="en-US" altLang="ko-KR" sz="1400" b="0" i="0" kern="1200" dirty="0">
+                        <a:rPr lang="en-US" altLang="ko-KR" sz="1200" b="0" i="0" kern="1200" dirty="0">
                           <a:solidFill>
                             <a:schemeClr val="dk1"/>
                           </a:solidFill>
@@ -10365,7 +12250,7 @@
                         <a:t>(EDA)</a:t>
                       </a:r>
                       <a:br>
-                        <a:rPr lang="en-US" altLang="ko-KR" sz="1400" b="0" i="0" kern="1200" dirty="0">
+                        <a:rPr lang="en-US" altLang="ko-KR" sz="1200" b="0" i="0" kern="1200" dirty="0">
                           <a:solidFill>
                             <a:schemeClr val="dk1"/>
                           </a:solidFill>
@@ -10376,7 +12261,7 @@
                         </a:rPr>
                       </a:br>
                       <a:r>
-                        <a:rPr lang="en-US" altLang="ko-KR" sz="1400" b="0" i="0" kern="1200" dirty="0">
+                        <a:rPr lang="en-US" altLang="ko-KR" sz="1200" b="0" i="0" kern="1200" dirty="0">
                           <a:solidFill>
                             <a:schemeClr val="dk1"/>
                           </a:solidFill>
@@ -10388,7 +12273,7 @@
                         <a:t>5) </a:t>
                       </a:r>
                       <a:r>
-                        <a:rPr lang="ko-KR" altLang="en-US" sz="1400" b="0" i="0" kern="1200" dirty="0">
+                        <a:rPr lang="ko-KR" altLang="en-US" sz="1200" b="0" i="0" kern="1200" dirty="0">
                           <a:solidFill>
                             <a:schemeClr val="dk1"/>
                           </a:solidFill>
@@ -10400,7 +12285,7 @@
                         <a:t>데이터 분할</a:t>
                       </a:r>
                       <a:r>
-                        <a:rPr lang="en-US" altLang="ko-KR" sz="1400" b="0" i="0" kern="1200" dirty="0">
+                        <a:rPr lang="en-US" altLang="ko-KR" sz="1200" b="0" i="0" kern="1200" dirty="0">
                           <a:solidFill>
                             <a:schemeClr val="dk1"/>
                           </a:solidFill>
@@ -10412,7 +12297,7 @@
                         <a:t>(Train/Test Split)</a:t>
                       </a:r>
                       <a:br>
-                        <a:rPr lang="en-US" altLang="ko-KR" sz="1400" b="0" i="0" kern="1200" dirty="0">
+                        <a:rPr lang="en-US" altLang="ko-KR" sz="1200" b="0" i="0" kern="1200" dirty="0">
                           <a:solidFill>
                             <a:schemeClr val="dk1"/>
                           </a:solidFill>
@@ -10423,7 +12308,7 @@
                         </a:rPr>
                       </a:br>
                       <a:r>
-                        <a:rPr lang="en-US" altLang="ko-KR" sz="1400" b="0" i="0" kern="1200" dirty="0">
+                        <a:rPr lang="en-US" altLang="ko-KR" sz="1200" b="0" i="0" kern="1200" dirty="0">
                           <a:solidFill>
                             <a:schemeClr val="dk1"/>
                           </a:solidFill>
@@ -10435,7 +12320,7 @@
                         <a:t>6) </a:t>
                       </a:r>
                       <a:r>
-                        <a:rPr lang="ko-KR" altLang="en-US" sz="1400" b="0" i="0" kern="1200" dirty="0">
+                        <a:rPr lang="ko-KR" altLang="en-US" sz="1200" b="0" i="0" kern="1200" dirty="0">
                           <a:solidFill>
                             <a:schemeClr val="dk1"/>
                           </a:solidFill>
@@ -10447,7 +12332,7 @@
                         <a:t>모델 선택 및 학습</a:t>
                       </a:r>
                       <a:r>
-                        <a:rPr lang="en-US" altLang="ko-KR" sz="1400" b="0" i="0" kern="1200" dirty="0">
+                        <a:rPr lang="en-US" altLang="ko-KR" sz="1200" b="0" i="0" kern="1200" dirty="0">
                           <a:solidFill>
                             <a:schemeClr val="dk1"/>
                           </a:solidFill>
@@ -10459,7 +12344,7 @@
                         <a:t>(Model Training)</a:t>
                       </a:r>
                       <a:br>
-                        <a:rPr lang="en-US" altLang="ko-KR" sz="1400" b="0" i="0" kern="1200" dirty="0">
+                        <a:rPr lang="en-US" altLang="ko-KR" sz="1200" b="0" i="0" kern="1200" dirty="0">
                           <a:solidFill>
                             <a:schemeClr val="dk1"/>
                           </a:solidFill>
@@ -10470,7 +12355,7 @@
                         </a:rPr>
                       </a:br>
                       <a:r>
-                        <a:rPr lang="en-US" altLang="ko-KR" sz="1400" b="0" i="0" kern="1200" dirty="0">
+                        <a:rPr lang="en-US" altLang="ko-KR" sz="1200" b="0" i="0" kern="1200" dirty="0">
                           <a:solidFill>
                             <a:schemeClr val="dk1"/>
                           </a:solidFill>
@@ -10482,7 +12367,7 @@
                         <a:t>7) </a:t>
                       </a:r>
                       <a:r>
-                        <a:rPr lang="ko-KR" altLang="en-US" sz="1400" b="0" i="0" kern="1200" dirty="0">
+                        <a:rPr lang="ko-KR" altLang="en-US" sz="1200" b="0" i="0" kern="1200" dirty="0">
                           <a:solidFill>
                             <a:schemeClr val="dk1"/>
                           </a:solidFill>
@@ -10494,7 +12379,7 @@
                         <a:t>모델 평가</a:t>
                       </a:r>
                       <a:r>
-                        <a:rPr lang="en-US" altLang="ko-KR" sz="1400" b="0" i="0" kern="1200" dirty="0">
+                        <a:rPr lang="en-US" altLang="ko-KR" sz="1200" b="0" i="0" kern="1200" dirty="0">
                           <a:solidFill>
                             <a:schemeClr val="dk1"/>
                           </a:solidFill>
@@ -10506,7 +12391,7 @@
                         <a:t>(Model Evaluation)</a:t>
                       </a:r>
                       <a:br>
-                        <a:rPr lang="en-US" altLang="ko-KR" sz="1400" b="0" i="0" kern="1200" dirty="0">
+                        <a:rPr lang="en-US" altLang="ko-KR" sz="1200" b="0" i="0" kern="1200" dirty="0">
                           <a:solidFill>
                             <a:schemeClr val="dk1"/>
                           </a:solidFill>
@@ -10517,7 +12402,7 @@
                         </a:rPr>
                       </a:br>
                       <a:r>
-                        <a:rPr lang="en-US" altLang="ko-KR" sz="1400" b="0" i="0" kern="1200" dirty="0">
+                        <a:rPr lang="en-US" altLang="ko-KR" sz="1200" b="0" i="0" kern="1200" dirty="0">
                           <a:solidFill>
                             <a:schemeClr val="dk1"/>
                           </a:solidFill>
@@ -10529,7 +12414,7 @@
                         <a:t>8) </a:t>
                       </a:r>
                       <a:r>
-                        <a:rPr lang="ko-KR" altLang="en-US" sz="1400" b="0" i="0" kern="1200" dirty="0">
+                        <a:rPr lang="ko-KR" altLang="en-US" sz="1200" b="0" i="0" kern="1200" dirty="0">
                           <a:solidFill>
                             <a:schemeClr val="dk1"/>
                           </a:solidFill>
@@ -10541,7 +12426,7 @@
                         <a:t>모델 개선</a:t>
                       </a:r>
                       <a:r>
-                        <a:rPr lang="en-US" altLang="ko-KR" sz="1400" b="0" i="0" kern="1200" dirty="0">
+                        <a:rPr lang="en-US" altLang="ko-KR" sz="1200" b="0" i="0" kern="1200" dirty="0">
                           <a:solidFill>
                             <a:schemeClr val="dk1"/>
                           </a:solidFill>
@@ -10553,7 +12438,7 @@
                         <a:t>(Model Optimization)</a:t>
                       </a:r>
                       <a:br>
-                        <a:rPr lang="en-US" altLang="ko-KR" sz="1400" b="0" i="0" kern="1200" dirty="0">
+                        <a:rPr lang="en-US" altLang="ko-KR" sz="1200" b="0" i="0" kern="1200" dirty="0">
                           <a:solidFill>
                             <a:schemeClr val="dk1"/>
                           </a:solidFill>
@@ -10564,7 +12449,7 @@
                         </a:rPr>
                       </a:br>
                       <a:r>
-                        <a:rPr lang="en-US" altLang="ko-KR" sz="1400" b="0" i="0" kern="1200" dirty="0">
+                        <a:rPr lang="en-US" altLang="ko-KR" sz="1200" b="0" i="0" kern="1200" dirty="0">
                           <a:solidFill>
                             <a:schemeClr val="dk1"/>
                           </a:solidFill>
@@ -10576,7 +12461,7 @@
                         <a:t>9) </a:t>
                       </a:r>
                       <a:r>
-                        <a:rPr lang="ko-KR" altLang="en-US" sz="1400" b="0" i="0" kern="1200" dirty="0">
+                        <a:rPr lang="ko-KR" altLang="en-US" sz="1200" b="0" i="0" kern="1200" dirty="0">
                           <a:solidFill>
                             <a:schemeClr val="dk1"/>
                           </a:solidFill>
@@ -10588,7 +12473,7 @@
                         <a:t>모델 배포 및 활용</a:t>
                       </a:r>
                       <a:r>
-                        <a:rPr lang="en-US" altLang="ko-KR" sz="1400" b="0" i="0" kern="1200" dirty="0">
+                        <a:rPr lang="en-US" altLang="ko-KR" sz="1200" b="0" i="0" kern="1200" dirty="0">
                           <a:solidFill>
                             <a:schemeClr val="dk1"/>
                           </a:solidFill>
@@ -10599,7 +12484,7 @@
                         </a:rPr>
                         <a:t>(Deployment)</a:t>
                       </a:r>
-                      <a:endParaRPr lang="ko-KR" altLang="en-US" sz="1400" b="0" dirty="0"/>
+                      <a:endParaRPr lang="ko-KR" altLang="en-US" sz="1200" b="0" dirty="0"/>
                     </a:p>
                   </a:txBody>
                   <a:tcPr anchor="ctr"/>
@@ -10618,11 +12503,11 @@
                     <a:p>
                       <a:pPr algn="ctr" latinLnBrk="1"/>
                       <a:r>
-                        <a:rPr lang="en-US" altLang="ko-KR" sz="1400" b="1" dirty="0"/>
+                        <a:rPr lang="en-US" altLang="ko-KR" sz="1200" b="1" dirty="0"/>
                         <a:t>4. </a:t>
                       </a:r>
                       <a:r>
-                        <a:rPr lang="ko-KR" altLang="en-US" sz="1400" b="1" dirty="0"/>
+                        <a:rPr lang="ko-KR" altLang="en-US" sz="1200" b="1" dirty="0"/>
                         <a:t>분석 도구 및 환경</a:t>
                       </a:r>
                     </a:p>
@@ -10636,7 +12521,7 @@
                     <a:p>
                       <a:pPr algn="l" latinLnBrk="1"/>
                       <a:r>
-                        <a:rPr lang="en-US" altLang="ko-KR" sz="1400" b="0" i="0" kern="1200" dirty="0">
+                        <a:rPr lang="en-US" altLang="ko-KR" sz="1200" b="0" i="0" kern="1200" dirty="0">
                           <a:solidFill>
                             <a:schemeClr val="dk1"/>
                           </a:solidFill>
@@ -10648,7 +12533,7 @@
                         <a:t>- </a:t>
                       </a:r>
                       <a:r>
-                        <a:rPr lang="ko-KR" altLang="en-US" sz="1400" b="0" i="0" kern="1200" dirty="0">
+                        <a:rPr lang="ko-KR" altLang="en-US" sz="1200" b="0" i="0" kern="1200" dirty="0">
                           <a:solidFill>
                             <a:schemeClr val="dk1"/>
                           </a:solidFill>
@@ -10660,7 +12545,7 @@
                         <a:t>언어</a:t>
                       </a:r>
                       <a:r>
-                        <a:rPr lang="en-US" altLang="ko-KR" sz="1400" b="0" i="0" kern="1200" dirty="0">
+                        <a:rPr lang="en-US" altLang="ko-KR" sz="1200" b="0" i="0" kern="1200" dirty="0">
                           <a:solidFill>
                             <a:schemeClr val="dk1"/>
                           </a:solidFill>
@@ -10672,7 +12557,7 @@
                         <a:t>/</a:t>
                       </a:r>
                       <a:r>
-                        <a:rPr lang="ko-KR" altLang="en-US" sz="1400" b="0" i="0" kern="1200" dirty="0">
+                        <a:rPr lang="ko-KR" altLang="en-US" sz="1200" b="0" i="0" kern="1200" dirty="0">
                           <a:solidFill>
                             <a:schemeClr val="dk1"/>
                           </a:solidFill>
@@ -10684,7 +12569,7 @@
                         <a:t>라이브러리</a:t>
                       </a:r>
                       <a:r>
-                        <a:rPr lang="en-US" altLang="ko-KR" sz="1400" b="0" i="0" kern="1200" dirty="0">
+                        <a:rPr lang="en-US" altLang="ko-KR" sz="1200" b="0" i="0" kern="1200" dirty="0">
                           <a:solidFill>
                             <a:schemeClr val="dk1"/>
                           </a:solidFill>
@@ -10696,7 +12581,7 @@
                         <a:t>: Python (scikit-learn, </a:t>
                       </a:r>
                       <a:r>
-                        <a:rPr lang="en-US" altLang="ko-KR" sz="1400" b="0" i="0" kern="1200" dirty="0" err="1">
+                        <a:rPr lang="en-US" altLang="ko-KR" sz="1200" b="0" i="0" kern="1200" dirty="0" err="1">
                           <a:solidFill>
                             <a:schemeClr val="dk1"/>
                           </a:solidFill>
@@ -10708,7 +12593,7 @@
                         <a:t>XGBoost</a:t>
                       </a:r>
                       <a:r>
-                        <a:rPr lang="en-US" altLang="ko-KR" sz="1400" b="0" i="0" kern="1200" dirty="0">
+                        <a:rPr lang="en-US" altLang="ko-KR" sz="1200" b="0" i="0" kern="1200" dirty="0">
                           <a:solidFill>
                             <a:schemeClr val="dk1"/>
                           </a:solidFill>
@@ -10720,7 +12605,7 @@
                         <a:t>, </a:t>
                       </a:r>
                       <a:r>
-                        <a:rPr lang="en-US" altLang="ko-KR" sz="1400" b="0" i="0" kern="1200" dirty="0" err="1">
+                        <a:rPr lang="en-US" altLang="ko-KR" sz="1200" b="0" i="0" kern="1200" dirty="0" err="1">
                           <a:solidFill>
                             <a:schemeClr val="dk1"/>
                           </a:solidFill>
@@ -10732,7 +12617,7 @@
                         <a:t>LightGBM</a:t>
                       </a:r>
                       <a:r>
-                        <a:rPr lang="en-US" altLang="ko-KR" sz="1400" b="0" i="0" kern="1200" dirty="0">
+                        <a:rPr lang="en-US" altLang="ko-KR" sz="1200" b="0" i="0" kern="1200" dirty="0">
                           <a:solidFill>
                             <a:schemeClr val="dk1"/>
                           </a:solidFill>
@@ -10744,10 +12629,10 @@
                         <a:t>)</a:t>
                       </a:r>
                       <a:br>
-                        <a:rPr lang="en-US" altLang="ko-KR" sz="1400" b="0" dirty="0"/>
+                        <a:rPr lang="en-US" altLang="ko-KR" sz="1200" b="0" dirty="0"/>
                       </a:br>
                       <a:r>
-                        <a:rPr lang="en-US" altLang="ko-KR" sz="1400" b="0" i="0" kern="1200" dirty="0">
+                        <a:rPr lang="en-US" altLang="ko-KR" sz="1200" b="0" i="0" kern="1200" dirty="0">
                           <a:solidFill>
                             <a:schemeClr val="dk1"/>
                           </a:solidFill>
@@ -10759,7 +12644,7 @@
                         <a:t>- </a:t>
                       </a:r>
                       <a:r>
-                        <a:rPr lang="ko-KR" altLang="en-US" sz="1400" b="0" i="0" kern="1200" dirty="0">
+                        <a:rPr lang="ko-KR" altLang="en-US" sz="1200" b="0" i="0" kern="1200" dirty="0">
                           <a:solidFill>
                             <a:schemeClr val="dk1"/>
                           </a:solidFill>
@@ -10771,7 +12656,7 @@
                         <a:t>환경</a:t>
                       </a:r>
                       <a:r>
-                        <a:rPr lang="en-US" altLang="ko-KR" sz="1400" b="0" i="0" kern="1200" dirty="0">
+                        <a:rPr lang="en-US" altLang="ko-KR" sz="1200" b="0" i="0" kern="1200" dirty="0">
                           <a:solidFill>
                             <a:schemeClr val="dk1"/>
                           </a:solidFill>
@@ -10783,7 +12668,7 @@
                         <a:t>: </a:t>
                       </a:r>
                       <a:r>
-                        <a:rPr lang="en-US" altLang="ko-KR" sz="1400" b="0" i="0" kern="1200" dirty="0" err="1">
+                        <a:rPr lang="en-US" altLang="ko-KR" sz="1200" b="0" i="0" kern="1200" dirty="0" err="1">
                           <a:solidFill>
                             <a:schemeClr val="dk1"/>
                           </a:solidFill>
@@ -10795,7 +12680,7 @@
                         <a:t>Jupyter</a:t>
                       </a:r>
                       <a:r>
-                        <a:rPr lang="en-US" altLang="ko-KR" sz="1400" b="0" i="0" kern="1200" dirty="0">
+                        <a:rPr lang="en-US" altLang="ko-KR" sz="1200" b="0" i="0" kern="1200" dirty="0">
                           <a:solidFill>
                             <a:schemeClr val="dk1"/>
                           </a:solidFill>
@@ -10807,7 +12692,7 @@
                         <a:t> Notebook, </a:t>
                       </a:r>
                       <a:r>
-                        <a:rPr lang="en-US" altLang="ko-KR" sz="1400" b="0" i="0" kern="1200" dirty="0" err="1">
+                        <a:rPr lang="en-US" altLang="ko-KR" sz="1200" b="0" i="0" kern="1200" dirty="0" err="1">
                           <a:solidFill>
                             <a:schemeClr val="dk1"/>
                           </a:solidFill>
@@ -10819,10 +12704,10 @@
                         <a:t>Colab</a:t>
                       </a:r>
                       <a:br>
-                        <a:rPr lang="en-US" altLang="ko-KR" sz="1400" b="0" dirty="0"/>
+                        <a:rPr lang="en-US" altLang="ko-KR" sz="1200" b="0" dirty="0"/>
                       </a:br>
                       <a:r>
-                        <a:rPr lang="en-US" altLang="ko-KR" sz="1400" b="0" i="0" kern="1200" dirty="0">
+                        <a:rPr lang="en-US" altLang="ko-KR" sz="1200" b="0" i="0" kern="1200" dirty="0">
                           <a:solidFill>
                             <a:schemeClr val="dk1"/>
                           </a:solidFill>
@@ -10834,7 +12719,7 @@
                         <a:t>- </a:t>
                       </a:r>
                       <a:r>
-                        <a:rPr lang="ko-KR" altLang="en-US" sz="1400" b="0" i="0" kern="1200" dirty="0">
+                        <a:rPr lang="ko-KR" altLang="en-US" sz="1200" b="0" i="0" kern="1200" dirty="0">
                           <a:solidFill>
                             <a:schemeClr val="dk1"/>
                           </a:solidFill>
@@ -10846,7 +12731,7 @@
                         <a:t>시각화</a:t>
                       </a:r>
                       <a:r>
-                        <a:rPr lang="en-US" altLang="ko-KR" sz="1400" b="0" i="0" kern="1200" dirty="0">
+                        <a:rPr lang="en-US" altLang="ko-KR" sz="1200" b="0" i="0" kern="1200" dirty="0">
                           <a:solidFill>
                             <a:schemeClr val="dk1"/>
                           </a:solidFill>
@@ -10857,7 +12742,7 @@
                         </a:rPr>
                         <a:t>: matplotlib, seaborn</a:t>
                       </a:r>
-                      <a:endParaRPr lang="ko-KR" altLang="en-US" sz="1400" b="0" dirty="0"/>
+                      <a:endParaRPr lang="ko-KR" altLang="en-US" sz="1200" b="0" dirty="0"/>
                     </a:p>
                   </a:txBody>
                   <a:tcPr anchor="ctr"/>
@@ -11150,7 +13035,7 @@
           <p:nvPr>
             <p:extLst>
               <p:ext uri="{D42A27DB-BD31-4B8C-83A1-F6EECF244321}">
-                <p14:modId xmlns:p14="http://schemas.microsoft.com/office/powerpoint/2010/main" val="3806727659"/>
+                <p14:modId xmlns:p14="http://schemas.microsoft.com/office/powerpoint/2010/main" val="3987033355"/>
               </p:ext>
             </p:extLst>
           </p:nvPr>
@@ -11189,7 +13074,7 @@
                     <a:p>
                       <a:pPr algn="ctr" latinLnBrk="1"/>
                       <a:r>
-                        <a:rPr lang="en-US" altLang="ko-KR" sz="1400" b="1" dirty="0">
+                        <a:rPr lang="en-US" altLang="ko-KR" sz="1200" b="1" dirty="0">
                           <a:solidFill>
                             <a:schemeClr val="tx1"/>
                           </a:solidFill>
@@ -11197,7 +13082,7 @@
                         <a:t>5. </a:t>
                       </a:r>
                       <a:r>
-                        <a:rPr lang="ko-KR" altLang="en-US" sz="1400" b="1" dirty="0">
+                        <a:rPr lang="ko-KR" altLang="en-US" sz="1200" b="1" dirty="0">
                           <a:solidFill>
                             <a:schemeClr val="tx1"/>
                           </a:solidFill>
@@ -11215,7 +13100,7 @@
                     <a:p>
                       <a:pPr algn="l"/>
                       <a:r>
-                        <a:rPr lang="en-US" altLang="ko-KR" sz="1400" b="0" dirty="0">
+                        <a:rPr lang="en-US" altLang="ko-KR" sz="1200" b="0" dirty="0">
                           <a:solidFill>
                             <a:schemeClr val="tx1"/>
                           </a:solidFill>
@@ -11223,7 +13108,7 @@
                         <a:t>- Accuracy (</a:t>
                       </a:r>
                       <a:r>
-                        <a:rPr lang="ko-KR" altLang="en-US" sz="1400" b="0" dirty="0">
+                        <a:rPr lang="ko-KR" altLang="en-US" sz="1200" b="0" dirty="0">
                           <a:solidFill>
                             <a:schemeClr val="tx1"/>
                           </a:solidFill>
@@ -11231,7 +13116,7 @@
                         <a:t>정확도</a:t>
                       </a:r>
                       <a:r>
-                        <a:rPr lang="en-US" altLang="ko-KR" sz="1400" b="0" dirty="0">
+                        <a:rPr lang="en-US" altLang="ko-KR" sz="1200" b="0" dirty="0">
                           <a:solidFill>
                             <a:schemeClr val="tx1"/>
                           </a:solidFill>
@@ -11239,14 +13124,14 @@
                         <a:t>)</a:t>
                       </a:r>
                       <a:br>
-                        <a:rPr lang="en-US" altLang="ko-KR" sz="1400" b="0" dirty="0">
+                        <a:rPr lang="en-US" altLang="ko-KR" sz="1200" b="0" dirty="0">
                           <a:solidFill>
                             <a:schemeClr val="tx1"/>
                           </a:solidFill>
                         </a:rPr>
                       </a:br>
                       <a:r>
-                        <a:rPr lang="en-US" altLang="ko-KR" sz="1400" b="0" dirty="0">
+                        <a:rPr lang="en-US" altLang="ko-KR" sz="1200" b="0" dirty="0">
                           <a:solidFill>
                             <a:schemeClr val="tx1"/>
                           </a:solidFill>
@@ -11254,7 +13139,7 @@
                         <a:t>- Precision / Recall / F1-score (macro/weighted, </a:t>
                       </a:r>
                       <a:r>
-                        <a:rPr lang="ko-KR" altLang="en-US" sz="1400" b="0" dirty="0">
+                        <a:rPr lang="ko-KR" altLang="en-US" sz="1200" b="0" dirty="0">
                           <a:solidFill>
                             <a:schemeClr val="tx1"/>
                           </a:solidFill>
@@ -11262,7 +13147,7 @@
                         <a:t>감정 불균형 고려</a:t>
                       </a:r>
                       <a:r>
-                        <a:rPr lang="en-US" altLang="ko-KR" sz="1400" b="0" dirty="0">
+                        <a:rPr lang="en-US" altLang="ko-KR" sz="1200" b="0" dirty="0">
                           <a:solidFill>
                             <a:schemeClr val="tx1"/>
                           </a:solidFill>
@@ -11270,14 +13155,14 @@
                         <a:t>)</a:t>
                       </a:r>
                       <a:br>
-                        <a:rPr lang="en-US" altLang="ko-KR" sz="1400" b="0" dirty="0">
+                        <a:rPr lang="en-US" altLang="ko-KR" sz="1200" b="0" dirty="0">
                           <a:solidFill>
                             <a:schemeClr val="tx1"/>
                           </a:solidFill>
                         </a:rPr>
                       </a:br>
                       <a:r>
-                        <a:rPr lang="en-US" altLang="ko-KR" sz="1400" b="0" dirty="0">
+                        <a:rPr lang="en-US" altLang="ko-KR" sz="1200" b="0" dirty="0">
                           <a:solidFill>
                             <a:schemeClr val="tx1"/>
                           </a:solidFill>
@@ -11285,7 +13170,7 @@
                         <a:t>- ROC-AUC (</a:t>
                       </a:r>
                       <a:r>
-                        <a:rPr lang="ko-KR" altLang="en-US" sz="1400" b="0" dirty="0">
+                        <a:rPr lang="ko-KR" altLang="en-US" sz="1200" b="0" dirty="0">
                           <a:solidFill>
                             <a:schemeClr val="tx1"/>
                           </a:solidFill>
@@ -11293,7 +13178,7 @@
                         <a:t>다중 클래스 감정 분류 성능</a:t>
                       </a:r>
                       <a:r>
-                        <a:rPr lang="en-US" altLang="ko-KR" sz="1400" b="0" dirty="0">
+                        <a:rPr lang="en-US" altLang="ko-KR" sz="1200" b="0" dirty="0">
                           <a:solidFill>
                             <a:schemeClr val="tx1"/>
                           </a:solidFill>
@@ -11301,14 +13186,14 @@
                         <a:t>)</a:t>
                       </a:r>
                       <a:br>
-                        <a:rPr lang="en-US" altLang="ko-KR" sz="1400" b="0" dirty="0">
+                        <a:rPr lang="en-US" altLang="ko-KR" sz="1200" b="0" dirty="0">
                           <a:solidFill>
                             <a:schemeClr val="tx1"/>
                           </a:solidFill>
                         </a:rPr>
                       </a:br>
                       <a:r>
-                        <a:rPr lang="en-US" altLang="ko-KR" sz="1400" b="0" dirty="0">
+                        <a:rPr lang="en-US" altLang="ko-KR" sz="1200" b="0" dirty="0">
                           <a:solidFill>
                             <a:schemeClr val="tx1"/>
                           </a:solidFill>
@@ -11316,7 +13201,7 @@
                         <a:t>- Confusion Matrix (</a:t>
                       </a:r>
                       <a:r>
-                        <a:rPr lang="ko-KR" altLang="en-US" sz="1400" b="0" dirty="0">
+                        <a:rPr lang="ko-KR" altLang="en-US" sz="1200" b="0" dirty="0">
                           <a:solidFill>
                             <a:schemeClr val="tx1"/>
                           </a:solidFill>
@@ -11324,7 +13209,7 @@
                         <a:t>클래스별 </a:t>
                       </a:r>
                       <a:r>
-                        <a:rPr lang="ko-KR" altLang="en-US" sz="1400" b="0" dirty="0" err="1">
+                        <a:rPr lang="ko-KR" altLang="en-US" sz="1200" b="0" dirty="0" err="1">
                           <a:solidFill>
                             <a:schemeClr val="tx1"/>
                           </a:solidFill>
@@ -11332,7 +13217,7 @@
                         <a:t>오분류</a:t>
                       </a:r>
                       <a:r>
-                        <a:rPr lang="ko-KR" altLang="en-US" sz="1400" b="0" dirty="0">
+                        <a:rPr lang="ko-KR" altLang="en-US" sz="1200" b="0" dirty="0">
                           <a:solidFill>
                             <a:schemeClr val="tx1"/>
                           </a:solidFill>
@@ -11340,14 +13225,14 @@
                         <a:t> 현황</a:t>
                       </a:r>
                       <a:r>
-                        <a:rPr lang="en-US" altLang="ko-KR" sz="1400" b="0" dirty="0">
+                        <a:rPr lang="en-US" altLang="ko-KR" sz="1200" b="0" dirty="0">
                           <a:solidFill>
                             <a:schemeClr val="tx1"/>
                           </a:solidFill>
                         </a:rPr>
                         <a:t>)</a:t>
                       </a:r>
-                      <a:endParaRPr lang="en-US" altLang="ko-KR" sz="1400" b="0" dirty="0">
+                      <a:endParaRPr lang="en-US" altLang="ko-KR" sz="1200" b="0" dirty="0">
                         <a:solidFill>
                           <a:schemeClr val="tx1"/>
                         </a:solidFill>
@@ -11371,7 +13256,7 @@
                     <a:p>
                       <a:pPr algn="ctr" latinLnBrk="1"/>
                       <a:r>
-                        <a:rPr lang="en-US" altLang="ko-KR" sz="1400" b="1" dirty="0">
+                        <a:rPr lang="en-US" altLang="ko-KR" sz="1200" b="1" dirty="0">
                           <a:solidFill>
                             <a:schemeClr val="tx1"/>
                           </a:solidFill>
@@ -11379,7 +13264,7 @@
                         <a:t>6. </a:t>
                       </a:r>
                       <a:r>
-                        <a:rPr lang="ko-KR" altLang="en-US" sz="1400" b="1" dirty="0">
+                        <a:rPr lang="ko-KR" altLang="en-US" sz="1200" b="1" dirty="0">
                           <a:solidFill>
                             <a:schemeClr val="tx1"/>
                           </a:solidFill>
@@ -11397,92 +13282,92 @@
                     <a:p>
                       <a:pPr algn="l"/>
                       <a:r>
-                        <a:rPr lang="en-US" altLang="ko-KR" sz="1400" dirty="0"/>
+                        <a:rPr lang="en-US" altLang="ko-KR" sz="1200" dirty="0"/>
                         <a:t>- </a:t>
                       </a:r>
                       <a:r>
-                        <a:rPr lang="ko-KR" altLang="en-US" sz="1400" dirty="0"/>
+                        <a:rPr lang="ko-KR" altLang="en-US" sz="1200" dirty="0"/>
                         <a:t>상담 전 사용자의 감정 상태를 신속</a:t>
                       </a:r>
                       <a:r>
-                        <a:rPr lang="en-US" altLang="ko-KR" sz="1400" dirty="0"/>
+                        <a:rPr lang="en-US" altLang="ko-KR" sz="1200" dirty="0"/>
                         <a:t>·</a:t>
                       </a:r>
                       <a:r>
-                        <a:rPr lang="ko-KR" altLang="en-US" sz="1400" dirty="0"/>
+                        <a:rPr lang="ko-KR" altLang="en-US" sz="1200" dirty="0"/>
                         <a:t>정확히 파악하여 상담 품질 향상</a:t>
                       </a:r>
                       <a:br>
-                        <a:rPr lang="ko-KR" altLang="en-US" sz="1400" dirty="0"/>
+                        <a:rPr lang="ko-KR" altLang="en-US" sz="1200" dirty="0"/>
                       </a:br>
                       <a:r>
-                        <a:rPr lang="en-US" altLang="ko-KR" sz="1400" dirty="0"/>
+                        <a:rPr lang="en-US" altLang="ko-KR" sz="1200" dirty="0"/>
                         <a:t>- </a:t>
                       </a:r>
                       <a:r>
-                        <a:rPr lang="ko-KR" altLang="en-US" sz="1400" dirty="0"/>
+                        <a:rPr lang="ko-KR" altLang="en-US" sz="1200" dirty="0"/>
                         <a:t>부정적 감정</a:t>
                       </a:r>
                       <a:r>
-                        <a:rPr lang="en-US" altLang="ko-KR" sz="1400" dirty="0"/>
+                        <a:rPr lang="en-US" altLang="ko-KR" sz="1200" dirty="0"/>
                         <a:t>(</a:t>
                       </a:r>
                       <a:r>
-                        <a:rPr lang="ko-KR" altLang="en-US" sz="1400" dirty="0"/>
+                        <a:rPr lang="ko-KR" altLang="en-US" sz="1200" dirty="0"/>
                         <a:t>분노</a:t>
                       </a:r>
                       <a:r>
-                        <a:rPr lang="en-US" altLang="ko-KR" sz="1400" dirty="0"/>
+                        <a:rPr lang="en-US" altLang="ko-KR" sz="1200" dirty="0"/>
                         <a:t>, </a:t>
                       </a:r>
                       <a:r>
-                        <a:rPr lang="ko-KR" altLang="en-US" sz="1400" dirty="0"/>
+                        <a:rPr lang="ko-KR" altLang="en-US" sz="1200" dirty="0"/>
                         <a:t>불안 등</a:t>
                       </a:r>
                       <a:r>
-                        <a:rPr lang="en-US" altLang="ko-KR" sz="1400" dirty="0"/>
+                        <a:rPr lang="en-US" altLang="ko-KR" sz="1200" dirty="0"/>
                         <a:t>) </a:t>
                       </a:r>
                       <a:r>
-                        <a:rPr lang="ko-KR" altLang="en-US" sz="1400" dirty="0"/>
+                        <a:rPr lang="ko-KR" altLang="en-US" sz="1200" dirty="0"/>
                         <a:t>예측 시 즉각적 맞춤형 상담사 연결 가능</a:t>
                       </a:r>
                       <a:br>
-                        <a:rPr lang="ko-KR" altLang="en-US" sz="1400" dirty="0"/>
+                        <a:rPr lang="ko-KR" altLang="en-US" sz="1200" dirty="0"/>
                       </a:br>
                       <a:r>
-                        <a:rPr lang="en-US" altLang="ko-KR" sz="1400" dirty="0"/>
+                        <a:rPr lang="en-US" altLang="ko-KR" sz="1200" dirty="0"/>
                         <a:t>- </a:t>
                       </a:r>
                       <a:r>
-                        <a:rPr lang="ko-KR" altLang="en-US" sz="1400" dirty="0"/>
+                        <a:rPr lang="ko-KR" altLang="en-US" sz="1200" dirty="0"/>
                         <a:t>연령</a:t>
                       </a:r>
                       <a:r>
-                        <a:rPr lang="en-US" altLang="ko-KR" sz="1400" dirty="0"/>
+                        <a:rPr lang="en-US" altLang="ko-KR" sz="1200" dirty="0"/>
                         <a:t>·</a:t>
                       </a:r>
                       <a:r>
-                        <a:rPr lang="ko-KR" altLang="en-US" sz="1400" dirty="0"/>
+                        <a:rPr lang="ko-KR" altLang="en-US" sz="1200" dirty="0"/>
                         <a:t>성별</a:t>
                       </a:r>
                       <a:r>
-                        <a:rPr lang="en-US" altLang="ko-KR" sz="1400" dirty="0"/>
+                        <a:rPr lang="en-US" altLang="ko-KR" sz="1200" dirty="0"/>
                         <a:t>·</a:t>
                       </a:r>
                       <a:r>
-                        <a:rPr lang="ko-KR" altLang="en-US" sz="1400" dirty="0"/>
+                        <a:rPr lang="ko-KR" altLang="en-US" sz="1200" dirty="0"/>
                         <a:t>질환을 고려한 상담사 배치 → 개인 맞춤 상담 경험 제공</a:t>
                       </a:r>
                       <a:br>
-                        <a:rPr lang="ko-KR" altLang="en-US" sz="1400" dirty="0"/>
+                        <a:rPr lang="ko-KR" altLang="en-US" sz="1200" dirty="0"/>
                       </a:br>
                       <a:r>
-                        <a:rPr lang="en-US" altLang="ko-KR" sz="1400" dirty="0"/>
+                        <a:rPr lang="en-US" altLang="ko-KR" sz="1200" dirty="0"/>
                         <a:t>- </a:t>
                       </a:r>
                       <a:r>
-                        <a:rPr lang="ko-KR" altLang="en-US" sz="1400" dirty="0"/>
+                        <a:rPr lang="ko-KR" altLang="en-US" sz="1200" dirty="0"/>
                         <a:t>상담 센터 운영 효율성 증대 및 서비스 신뢰도 강화</a:t>
                       </a:r>
                     </a:p>
@@ -11503,7 +13388,7 @@
                     <a:p>
                       <a:pPr algn="ctr" latinLnBrk="1"/>
                       <a:r>
-                        <a:rPr lang="en-US" altLang="ko-KR" sz="1400" b="1" dirty="0">
+                        <a:rPr lang="en-US" altLang="ko-KR" sz="1200" b="1" dirty="0">
                           <a:solidFill>
                             <a:schemeClr val="tx1"/>
                           </a:solidFill>
@@ -11511,7 +13396,7 @@
                         <a:t>7. </a:t>
                       </a:r>
                       <a:r>
-                        <a:rPr lang="ko-KR" altLang="en-US" sz="1400" b="1" dirty="0">
+                        <a:rPr lang="ko-KR" altLang="en-US" sz="1200" b="1" dirty="0">
                           <a:solidFill>
                             <a:schemeClr val="tx1"/>
                           </a:solidFill>
@@ -11529,74 +13414,74 @@
                     <a:p>
                       <a:pPr algn="l" latinLnBrk="1"/>
                       <a:r>
-                        <a:rPr lang="ko-KR" altLang="en-US" sz="1400" b="1" dirty="0"/>
+                        <a:rPr lang="ko-KR" altLang="en-US" sz="1200" b="1" dirty="0"/>
                         <a:t>분류 기반 모델</a:t>
                       </a:r>
                       <a:r>
-                        <a:rPr lang="ko-KR" altLang="en-US" sz="1400" dirty="0"/>
+                        <a:rPr lang="ko-KR" altLang="en-US" sz="1200" dirty="0"/>
                         <a:t>을 통해 사용자 리뷰와 특성을 분석하여 감정 상태를 예측하고</a:t>
                       </a:r>
                       <a:r>
-                        <a:rPr lang="en-US" altLang="ko-KR" sz="1400" dirty="0"/>
+                        <a:rPr lang="en-US" altLang="ko-KR" sz="1200" dirty="0"/>
                         <a:t>, </a:t>
                       </a:r>
                       <a:r>
-                        <a:rPr lang="ko-KR" altLang="en-US" sz="1400" dirty="0"/>
+                        <a:rPr lang="ko-KR" altLang="en-US" sz="1200" dirty="0"/>
                         <a:t>이를 토대로 맞춤형 상담사를 추천하는 기획을 제시하였다</a:t>
                       </a:r>
                       <a:r>
-                        <a:rPr lang="en-US" altLang="ko-KR" sz="1400" dirty="0"/>
+                        <a:rPr lang="en-US" altLang="ko-KR" sz="1200" dirty="0"/>
                         <a:t>. </a:t>
                       </a:r>
                       <a:r>
-                        <a:rPr lang="ko-KR" altLang="en-US" sz="1400" dirty="0"/>
+                        <a:rPr lang="ko-KR" altLang="en-US" sz="1200" dirty="0"/>
                         <a:t>운영 단계에서는 </a:t>
                       </a:r>
                       <a:r>
-                        <a:rPr lang="ko-KR" altLang="en-US" sz="1400" b="1" dirty="0"/>
+                        <a:rPr lang="ko-KR" altLang="en-US" sz="1200" b="1" dirty="0"/>
                         <a:t>불균형 데이터 처리</a:t>
                       </a:r>
                       <a:r>
-                        <a:rPr lang="en-US" altLang="ko-KR" sz="1400" b="1" dirty="0"/>
+                        <a:rPr lang="en-US" altLang="ko-KR" sz="1200" b="1" dirty="0"/>
                         <a:t>(SMOTE </a:t>
                       </a:r>
                       <a:r>
-                        <a:rPr lang="ko-KR" altLang="en-US" sz="1400" b="1" dirty="0"/>
+                        <a:rPr lang="ko-KR" altLang="en-US" sz="1200" b="1" dirty="0"/>
                         <a:t>등</a:t>
                       </a:r>
                       <a:r>
-                        <a:rPr lang="en-US" altLang="ko-KR" sz="1400" b="1" dirty="0"/>
+                        <a:rPr lang="en-US" altLang="ko-KR" sz="1200" b="1" dirty="0"/>
                         <a:t>)</a:t>
                       </a:r>
                       <a:r>
-                        <a:rPr lang="en-US" altLang="ko-KR" sz="1400" dirty="0"/>
+                        <a:rPr lang="en-US" altLang="ko-KR" sz="1200" dirty="0"/>
                         <a:t>, </a:t>
                       </a:r>
                       <a:r>
-                        <a:rPr lang="ko-KR" altLang="en-US" sz="1400" b="1" dirty="0"/>
+                        <a:rPr lang="ko-KR" altLang="en-US" sz="1200" b="1" dirty="0"/>
                         <a:t>모델 설명 가능성</a:t>
                       </a:r>
                       <a:r>
-                        <a:rPr lang="en-US" altLang="ko-KR" sz="1400" b="1" dirty="0"/>
+                        <a:rPr lang="en-US" altLang="ko-KR" sz="1200" b="1" dirty="0"/>
                         <a:t>(SHAP/LIME)</a:t>
                       </a:r>
                       <a:r>
-                        <a:rPr lang="en-US" altLang="ko-KR" sz="1400" dirty="0"/>
+                        <a:rPr lang="en-US" altLang="ko-KR" sz="1200" dirty="0"/>
                         <a:t>, </a:t>
                       </a:r>
                       <a:r>
-                        <a:rPr lang="ko-KR" altLang="en-US" sz="1400" b="1" dirty="0"/>
+                        <a:rPr lang="ko-KR" altLang="en-US" sz="1200" b="1" dirty="0"/>
                         <a:t>성능 모니터링 및 재학습</a:t>
                       </a:r>
                       <a:r>
-                        <a:rPr lang="ko-KR" altLang="en-US" sz="1400" dirty="0"/>
+                        <a:rPr lang="ko-KR" altLang="en-US" sz="1200" dirty="0"/>
                         <a:t>을 포함하여 지속적으로 관리할 것을 제안한다</a:t>
                       </a:r>
                       <a:r>
-                        <a:rPr lang="en-US" altLang="ko-KR" sz="1400" dirty="0"/>
+                        <a:rPr lang="en-US" altLang="ko-KR" sz="1200" dirty="0"/>
                         <a:t>.</a:t>
                       </a:r>
-                      <a:endParaRPr lang="ko-KR" altLang="en-US" sz="1400" dirty="0"/>
+                      <a:endParaRPr lang="ko-KR" altLang="en-US" sz="1200" dirty="0"/>
                     </a:p>
                   </a:txBody>
                   <a:tcPr anchor="ctr"/>
@@ -11859,7 +13744,7 @@
           <p:nvPr>
             <p:extLst>
               <p:ext uri="{D42A27DB-BD31-4B8C-83A1-F6EECF244321}">
-                <p14:modId xmlns:p14="http://schemas.microsoft.com/office/powerpoint/2010/main" val="3573868134"/>
+                <p14:modId xmlns:p14="http://schemas.microsoft.com/office/powerpoint/2010/main" val="751295644"/>
               </p:ext>
             </p:extLst>
           </p:nvPr>
@@ -11898,7 +13783,7 @@
                     <a:p>
                       <a:pPr algn="ctr" latinLnBrk="1"/>
                       <a:r>
-                        <a:rPr lang="ko-KR" altLang="en-US" sz="1400" dirty="0"/>
+                        <a:rPr lang="ko-KR" altLang="en-US" sz="1200" dirty="0"/>
                         <a:t>구분</a:t>
                       </a:r>
                     </a:p>
@@ -11912,7 +13797,7 @@
                     <a:p>
                       <a:pPr algn="ctr" latinLnBrk="1"/>
                       <a:r>
-                        <a:rPr lang="ko-KR" altLang="en-US" sz="1400" dirty="0"/>
+                        <a:rPr lang="ko-KR" altLang="en-US" sz="1200" dirty="0"/>
                         <a:t>내용</a:t>
                       </a:r>
                     </a:p>
@@ -11933,11 +13818,11 @@
                     <a:p>
                       <a:pPr algn="ctr" latinLnBrk="1"/>
                       <a:r>
-                        <a:rPr lang="en-US" altLang="ko-KR" sz="1400" b="1" dirty="0"/>
+                        <a:rPr lang="en-US" altLang="ko-KR" sz="1200" b="1" dirty="0"/>
                         <a:t>1. </a:t>
                       </a:r>
                       <a:r>
-                        <a:rPr lang="ko-KR" altLang="en-US" sz="1400" b="1" dirty="0"/>
+                        <a:rPr lang="ko-KR" altLang="en-US" sz="1200" b="1" dirty="0"/>
                         <a:t>모델링 목적 및 접근 방법</a:t>
                       </a:r>
                     </a:p>
@@ -11951,62 +13836,62 @@
                     <a:p>
                       <a:pPr algn="l"/>
                       <a:r>
-                        <a:rPr lang="en-US" altLang="ko-KR" sz="1400" dirty="0"/>
+                        <a:rPr lang="en-US" altLang="ko-KR" sz="1200" dirty="0"/>
                         <a:t>- </a:t>
                       </a:r>
                       <a:r>
-                        <a:rPr lang="ko-KR" altLang="en-US" sz="1400" dirty="0"/>
+                        <a:rPr lang="ko-KR" altLang="en-US" sz="1200" dirty="0"/>
                         <a:t>사용자 리뷰와 특성을 활용하여 상담자의 감정 상태</a:t>
                       </a:r>
                       <a:r>
-                        <a:rPr lang="en-US" altLang="ko-KR" sz="1400" dirty="0"/>
+                        <a:rPr lang="en-US" altLang="ko-KR" sz="1200" dirty="0"/>
                         <a:t>(</a:t>
                       </a:r>
                       <a:r>
-                        <a:rPr lang="ko-KR" altLang="en-US" sz="1400" dirty="0"/>
+                        <a:rPr lang="ko-KR" altLang="en-US" sz="1200" dirty="0"/>
                         <a:t>분노</a:t>
                       </a:r>
                       <a:r>
-                        <a:rPr lang="en-US" altLang="ko-KR" sz="1400" dirty="0"/>
+                        <a:rPr lang="en-US" altLang="ko-KR" sz="1200" dirty="0"/>
                         <a:t>, </a:t>
                       </a:r>
                       <a:r>
-                        <a:rPr lang="ko-KR" altLang="en-US" sz="1400" dirty="0"/>
+                        <a:rPr lang="ko-KR" altLang="en-US" sz="1200" dirty="0"/>
                         <a:t>불안</a:t>
                       </a:r>
                       <a:r>
-                        <a:rPr lang="en-US" altLang="ko-KR" sz="1400" dirty="0"/>
+                        <a:rPr lang="en-US" altLang="ko-KR" sz="1200" dirty="0"/>
                         <a:t>, </a:t>
                       </a:r>
                       <a:r>
-                        <a:rPr lang="ko-KR" altLang="en-US" sz="1400" dirty="0"/>
+                        <a:rPr lang="ko-KR" altLang="en-US" sz="1200" dirty="0"/>
                         <a:t>우울 등</a:t>
                       </a:r>
                       <a:r>
-                        <a:rPr lang="en-US" altLang="ko-KR" sz="1400" dirty="0"/>
+                        <a:rPr lang="en-US" altLang="ko-KR" sz="1200" dirty="0"/>
                         <a:t>)</a:t>
                       </a:r>
                       <a:r>
-                        <a:rPr lang="ko-KR" altLang="en-US" sz="1400" dirty="0"/>
+                        <a:rPr lang="ko-KR" altLang="en-US" sz="1200" dirty="0"/>
                         <a:t>를 분류</a:t>
                       </a:r>
                       <a:br>
-                        <a:rPr lang="ko-KR" altLang="en-US" sz="1400" dirty="0"/>
+                        <a:rPr lang="ko-KR" altLang="en-US" sz="1200" dirty="0"/>
                       </a:br>
                       <a:r>
-                        <a:rPr lang="en-US" altLang="ko-KR" sz="1400" dirty="0"/>
+                        <a:rPr lang="en-US" altLang="ko-KR" sz="1200" dirty="0"/>
                         <a:t>- </a:t>
                       </a:r>
                       <a:r>
-                        <a:rPr lang="ko-KR" altLang="en-US" sz="1400" dirty="0"/>
+                        <a:rPr lang="ko-KR" altLang="en-US" sz="1200" dirty="0"/>
                         <a:t>지도학습 기반 감정 분류 모델을 설계하고</a:t>
                       </a:r>
                       <a:r>
-                        <a:rPr lang="en-US" altLang="ko-KR" sz="1400" dirty="0"/>
+                        <a:rPr lang="en-US" altLang="ko-KR" sz="1200" dirty="0"/>
                         <a:t>, </a:t>
                       </a:r>
                       <a:r>
-                        <a:rPr lang="ko-KR" altLang="en-US" sz="1400" dirty="0"/>
+                        <a:rPr lang="ko-KR" altLang="en-US" sz="1200" dirty="0"/>
                         <a:t>이를 토대로 맞춤형 상담사 추천 알고리즘 개발</a:t>
                       </a:r>
                     </a:p>
@@ -12027,11 +13912,11 @@
                     <a:p>
                       <a:pPr algn="ctr" latinLnBrk="1"/>
                       <a:r>
-                        <a:rPr lang="en-US" altLang="ko-KR" sz="1400" b="1" dirty="0"/>
+                        <a:rPr lang="en-US" altLang="ko-KR" sz="1200" b="1" dirty="0"/>
                         <a:t>2. </a:t>
                       </a:r>
                       <a:r>
-                        <a:rPr lang="ko-KR" altLang="en-US" sz="1400" b="1" dirty="0"/>
+                        <a:rPr lang="ko-KR" altLang="en-US" sz="1200" b="1" dirty="0"/>
                         <a:t>후보 기법 및 선정 근거</a:t>
                       </a:r>
                     </a:p>
@@ -12044,115 +13929,115 @@
                     <a:lstStyle/>
                     <a:p>
                       <a:r>
-                        <a:rPr lang="en-US" altLang="ko-KR" sz="1400" dirty="0"/>
+                        <a:rPr lang="en-US" altLang="ko-KR" sz="1200" dirty="0"/>
                         <a:t>- </a:t>
                       </a:r>
                       <a:r>
-                        <a:rPr lang="ko-KR" altLang="en-US" sz="1400" b="1" dirty="0"/>
+                        <a:rPr lang="ko-KR" altLang="en-US" sz="1200" b="1" dirty="0"/>
                         <a:t>로지스틱 회귀</a:t>
                       </a:r>
                       <a:r>
-                        <a:rPr lang="en-US" altLang="ko-KR" sz="1400" b="1" dirty="0"/>
+                        <a:rPr lang="en-US" altLang="ko-KR" sz="1200" b="1" dirty="0"/>
                         <a:t>(Logistic Regression)</a:t>
                       </a:r>
                       <a:r>
-                        <a:rPr lang="en-US" altLang="ko-KR" sz="1400" dirty="0"/>
+                        <a:rPr lang="en-US" altLang="ko-KR" sz="1200" dirty="0"/>
                         <a:t>: </a:t>
                       </a:r>
                       <a:r>
-                        <a:rPr lang="ko-KR" altLang="en-US" sz="1400" dirty="0"/>
+                        <a:rPr lang="ko-KR" altLang="en-US" sz="1200" dirty="0"/>
                         <a:t>기본적인 감정 분류 및 해석 용이</a:t>
                       </a:r>
                       <a:br>
-                        <a:rPr lang="ko-KR" altLang="en-US" sz="1400" dirty="0"/>
+                        <a:rPr lang="ko-KR" altLang="en-US" sz="1200" dirty="0"/>
                       </a:br>
                       <a:r>
-                        <a:rPr lang="en-US" altLang="ko-KR" sz="1400" dirty="0"/>
+                        <a:rPr lang="en-US" altLang="ko-KR" sz="1200" dirty="0"/>
                         <a:t>- </a:t>
                       </a:r>
                       <a:r>
-                        <a:rPr lang="ko-KR" altLang="en-US" sz="1400" b="1" dirty="0"/>
+                        <a:rPr lang="ko-KR" altLang="en-US" sz="1200" b="1" dirty="0"/>
                         <a:t>랜덤 포레스트</a:t>
                       </a:r>
                       <a:r>
-                        <a:rPr lang="en-US" altLang="ko-KR" sz="1400" b="1" dirty="0"/>
+                        <a:rPr lang="en-US" altLang="ko-KR" sz="1200" b="1" dirty="0"/>
                         <a:t>(Random Forest)</a:t>
                       </a:r>
                       <a:r>
-                        <a:rPr lang="en-US" altLang="ko-KR" sz="1400" dirty="0"/>
+                        <a:rPr lang="en-US" altLang="ko-KR" sz="1200" dirty="0"/>
                         <a:t>: </a:t>
                       </a:r>
                       <a:r>
-                        <a:rPr lang="ko-KR" altLang="en-US" sz="1400" dirty="0"/>
+                        <a:rPr lang="ko-KR" altLang="en-US" sz="1200" dirty="0"/>
                         <a:t>비선형 관계 학습과 변수 중요도 분석에 강점</a:t>
                       </a:r>
                       <a:br>
-                        <a:rPr lang="ko-KR" altLang="en-US" sz="1400" dirty="0"/>
+                        <a:rPr lang="ko-KR" altLang="en-US" sz="1200" dirty="0"/>
                       </a:br>
                       <a:r>
-                        <a:rPr lang="en-US" altLang="ko-KR" sz="1400" dirty="0"/>
+                        <a:rPr lang="en-US" altLang="ko-KR" sz="1200" dirty="0"/>
                         <a:t>- </a:t>
                       </a:r>
                       <a:r>
-                        <a:rPr lang="en-US" altLang="ko-KR" sz="1400" b="1" dirty="0" err="1"/>
+                        <a:rPr lang="en-US" altLang="ko-KR" sz="1200" b="1" dirty="0" err="1"/>
                         <a:t>XGBoost</a:t>
                       </a:r>
                       <a:r>
-                        <a:rPr lang="en-US" altLang="ko-KR" sz="1400" b="1" dirty="0"/>
+                        <a:rPr lang="en-US" altLang="ko-KR" sz="1200" b="1" dirty="0"/>
                         <a:t>/</a:t>
                       </a:r>
                       <a:r>
-                        <a:rPr lang="en-US" altLang="ko-KR" sz="1400" b="1" dirty="0" err="1"/>
+                        <a:rPr lang="en-US" altLang="ko-KR" sz="1200" b="1" dirty="0" err="1"/>
                         <a:t>LightGBM</a:t>
                       </a:r>
                       <a:r>
-                        <a:rPr lang="en-US" altLang="ko-KR" sz="1400" dirty="0"/>
+                        <a:rPr lang="en-US" altLang="ko-KR" sz="1200" dirty="0"/>
                         <a:t>: </a:t>
                       </a:r>
                       <a:r>
-                        <a:rPr lang="ko-KR" altLang="en-US" sz="1400" dirty="0"/>
+                        <a:rPr lang="ko-KR" altLang="en-US" sz="1200" dirty="0"/>
                         <a:t>대규모 데이터와 복잡한 패턴 학습에 강점</a:t>
                       </a:r>
                       <a:br>
-                        <a:rPr lang="ko-KR" altLang="en-US" sz="1400" dirty="0"/>
+                        <a:rPr lang="ko-KR" altLang="en-US" sz="1200" dirty="0"/>
                       </a:br>
                       <a:r>
-                        <a:rPr lang="ko-KR" altLang="en-US" sz="1400" dirty="0"/>
+                        <a:rPr lang="ko-KR" altLang="en-US" sz="1200" dirty="0"/>
                         <a:t>→ </a:t>
                       </a:r>
                       <a:r>
-                        <a:rPr lang="ko-KR" altLang="en-US" sz="1400" b="1" dirty="0"/>
+                        <a:rPr lang="ko-KR" altLang="en-US" sz="1200" b="1" dirty="0"/>
                         <a:t>최종적으로 </a:t>
                       </a:r>
                       <a:r>
-                        <a:rPr lang="en-US" altLang="ko-KR" sz="1400" b="1" dirty="0"/>
+                        <a:rPr lang="en-US" altLang="ko-KR" sz="1200" b="1" dirty="0"/>
                         <a:t>Random Forest</a:t>
                       </a:r>
                       <a:r>
-                        <a:rPr lang="ko-KR" altLang="en-US" sz="1400" dirty="0"/>
+                        <a:rPr lang="ko-KR" altLang="en-US" sz="1200" dirty="0"/>
                         <a:t> 선정 </a:t>
                       </a:r>
                       <a:r>
-                        <a:rPr lang="en-US" altLang="ko-KR" sz="1400" dirty="0"/>
+                        <a:rPr lang="en-US" altLang="ko-KR" sz="1200" dirty="0"/>
                         <a:t>(</a:t>
                       </a:r>
                       <a:r>
-                        <a:rPr lang="ko-KR" altLang="en-US" sz="1400" dirty="0"/>
+                        <a:rPr lang="ko-KR" altLang="en-US" sz="1200" dirty="0"/>
                         <a:t>정확도와 </a:t>
                       </a:r>
                       <a:r>
-                        <a:rPr lang="ko-KR" altLang="en-US" sz="1400" dirty="0" err="1"/>
+                        <a:rPr lang="ko-KR" altLang="en-US" sz="1200" dirty="0" err="1"/>
                         <a:t>해석력</a:t>
                       </a:r>
                       <a:r>
-                        <a:rPr lang="ko-KR" altLang="en-US" sz="1400" dirty="0"/>
+                        <a:rPr lang="ko-KR" altLang="en-US" sz="1200" dirty="0"/>
                         <a:t> 균형</a:t>
                       </a:r>
                       <a:r>
-                        <a:rPr lang="en-US" altLang="ko-KR" sz="1400" dirty="0"/>
+                        <a:rPr lang="en-US" altLang="ko-KR" sz="1200" dirty="0"/>
                         <a:t>)</a:t>
                       </a:r>
-                      <a:endParaRPr lang="ko-KR" altLang="en-US" sz="1400" dirty="0"/>
+                      <a:endParaRPr lang="ko-KR" altLang="en-US" sz="1200" dirty="0"/>
                     </a:p>
                   </a:txBody>
                   <a:tcPr anchor="ctr"/>
@@ -12171,19 +14056,19 @@
                     <a:p>
                       <a:pPr algn="ctr" latinLnBrk="1"/>
                       <a:r>
-                        <a:rPr lang="en-US" altLang="ko-KR" sz="1400" b="1" dirty="0"/>
+                        <a:rPr lang="en-US" altLang="ko-KR" sz="1200" b="1" dirty="0"/>
                         <a:t>3. </a:t>
                       </a:r>
                       <a:r>
-                        <a:rPr lang="ko-KR" altLang="en-US" sz="1400" b="1" dirty="0"/>
+                        <a:rPr lang="ko-KR" altLang="en-US" sz="1200" b="1" dirty="0"/>
                         <a:t>데이터 </a:t>
                       </a:r>
                       <a:r>
-                        <a:rPr lang="ko-KR" altLang="en-US" sz="1400" b="1" dirty="0" err="1"/>
+                        <a:rPr lang="ko-KR" altLang="en-US" sz="1200" b="1" dirty="0" err="1"/>
                         <a:t>전처리</a:t>
                       </a:r>
                       <a:r>
-                        <a:rPr lang="ko-KR" altLang="en-US" sz="1400" b="1" dirty="0"/>
+                        <a:rPr lang="ko-KR" altLang="en-US" sz="1200" b="1" dirty="0"/>
                         <a:t> 및 특징 엔지니어링</a:t>
                       </a:r>
                     </a:p>
@@ -12197,116 +14082,116 @@
                     <a:p>
                       <a:pPr algn="l" latinLnBrk="1"/>
                       <a:r>
-                        <a:rPr lang="en-US" altLang="ko-KR" sz="1400" dirty="0"/>
+                        <a:rPr lang="en-US" altLang="ko-KR" sz="1200" dirty="0"/>
                         <a:t>- </a:t>
                       </a:r>
                       <a:r>
-                        <a:rPr lang="ko-KR" altLang="en-US" sz="1400" b="1" dirty="0" err="1"/>
+                        <a:rPr lang="ko-KR" altLang="en-US" sz="1200" b="1" dirty="0" err="1"/>
                         <a:t>전처리</a:t>
                       </a:r>
                       <a:r>
-                        <a:rPr lang="en-US" altLang="ko-KR" sz="1400" dirty="0"/>
+                        <a:rPr lang="en-US" altLang="ko-KR" sz="1200" dirty="0"/>
                         <a:t>: </a:t>
                       </a:r>
                       <a:r>
-                        <a:rPr lang="ko-KR" altLang="en-US" sz="1400" dirty="0"/>
+                        <a:rPr lang="ko-KR" altLang="en-US" sz="1200" dirty="0"/>
                         <a:t>이상치 제거</a:t>
                       </a:r>
                       <a:r>
-                        <a:rPr lang="en-US" altLang="ko-KR" sz="1400" dirty="0"/>
+                        <a:rPr lang="en-US" altLang="ko-KR" sz="1200" dirty="0"/>
                         <a:t>, </a:t>
                       </a:r>
                       <a:r>
-                        <a:rPr lang="ko-KR" altLang="en-US" sz="1400" dirty="0" err="1"/>
+                        <a:rPr lang="ko-KR" altLang="en-US" sz="1200" dirty="0" err="1"/>
                         <a:t>결측치</a:t>
                       </a:r>
                       <a:r>
-                        <a:rPr lang="ko-KR" altLang="en-US" sz="1400" dirty="0"/>
+                        <a:rPr lang="ko-KR" altLang="en-US" sz="1200" dirty="0"/>
                         <a:t> 대체</a:t>
                       </a:r>
                       <a:r>
-                        <a:rPr lang="en-US" altLang="ko-KR" sz="1400" dirty="0"/>
+                        <a:rPr lang="en-US" altLang="ko-KR" sz="1200" dirty="0"/>
                         <a:t>, </a:t>
                       </a:r>
                       <a:r>
-                        <a:rPr lang="ko-KR" altLang="en-US" sz="1400" dirty="0"/>
+                        <a:rPr lang="ko-KR" altLang="en-US" sz="1200" dirty="0"/>
                         <a:t>범주형 변수 인코딩</a:t>
                       </a:r>
                       <a:br>
-                        <a:rPr lang="ko-KR" altLang="en-US" sz="1400" dirty="0"/>
+                        <a:rPr lang="ko-KR" altLang="en-US" sz="1200" dirty="0"/>
                       </a:br>
                       <a:r>
-                        <a:rPr lang="en-US" altLang="ko-KR" sz="1400" dirty="0"/>
+                        <a:rPr lang="en-US" altLang="ko-KR" sz="1200" dirty="0"/>
                         <a:t>- </a:t>
                       </a:r>
                       <a:r>
-                        <a:rPr lang="ko-KR" altLang="en-US" sz="1400" b="1" dirty="0"/>
+                        <a:rPr lang="ko-KR" altLang="en-US" sz="1200" b="1" dirty="0"/>
                         <a:t>특징 생성</a:t>
                       </a:r>
                       <a:r>
-                        <a:rPr lang="en-US" altLang="ko-KR" sz="1400" dirty="0"/>
+                        <a:rPr lang="en-US" altLang="ko-KR" sz="1200" dirty="0"/>
                         <a:t>: </a:t>
                       </a:r>
                       <a:r>
-                        <a:rPr lang="ko-KR" altLang="en-US" sz="1400" dirty="0"/>
+                        <a:rPr lang="ko-KR" altLang="en-US" sz="1200" dirty="0"/>
                         <a:t>연령</a:t>
                       </a:r>
                       <a:r>
-                        <a:rPr lang="en-US" altLang="ko-KR" sz="1400" dirty="0"/>
+                        <a:rPr lang="en-US" altLang="ko-KR" sz="1200" dirty="0"/>
                         <a:t>, </a:t>
                       </a:r>
                       <a:r>
-                        <a:rPr lang="ko-KR" altLang="en-US" sz="1400" dirty="0"/>
+                        <a:rPr lang="ko-KR" altLang="en-US" sz="1200" dirty="0"/>
                         <a:t>성별</a:t>
                       </a:r>
                       <a:r>
-                        <a:rPr lang="en-US" altLang="ko-KR" sz="1400" dirty="0"/>
+                        <a:rPr lang="en-US" altLang="ko-KR" sz="1200" dirty="0"/>
                         <a:t>, </a:t>
                       </a:r>
                       <a:r>
-                        <a:rPr lang="ko-KR" altLang="en-US" sz="1400" dirty="0"/>
+                        <a:rPr lang="ko-KR" altLang="en-US" sz="1200" dirty="0"/>
                         <a:t>상황 키워드</a:t>
                       </a:r>
                       <a:r>
-                        <a:rPr lang="en-US" altLang="ko-KR" sz="1400" dirty="0"/>
+                        <a:rPr lang="en-US" altLang="ko-KR" sz="1200" dirty="0"/>
                         <a:t>, </a:t>
                       </a:r>
                       <a:r>
-                        <a:rPr lang="ko-KR" altLang="en-US" sz="1400" dirty="0"/>
+                        <a:rPr lang="ko-KR" altLang="en-US" sz="1200" dirty="0"/>
                         <a:t>신체질환</a:t>
                       </a:r>
                       <a:r>
-                        <a:rPr lang="en-US" altLang="ko-KR" sz="1400" dirty="0"/>
+                        <a:rPr lang="en-US" altLang="ko-KR" sz="1200" dirty="0"/>
                         <a:t>, </a:t>
                       </a:r>
                       <a:r>
-                        <a:rPr lang="ko-KR" altLang="en-US" sz="1400" dirty="0"/>
+                        <a:rPr lang="ko-KR" altLang="en-US" sz="1200" dirty="0"/>
                         <a:t>리뷰 텍스트 </a:t>
                       </a:r>
                       <a:r>
-                        <a:rPr lang="ko-KR" altLang="en-US" sz="1400" dirty="0" err="1"/>
+                        <a:rPr lang="ko-KR" altLang="en-US" sz="1200" dirty="0" err="1"/>
                         <a:t>임베딩</a:t>
                       </a:r>
                       <a:br>
-                        <a:rPr lang="ko-KR" altLang="en-US" sz="1400" dirty="0"/>
+                        <a:rPr lang="ko-KR" altLang="en-US" sz="1200" dirty="0"/>
                       </a:br>
                       <a:r>
-                        <a:rPr lang="en-US" altLang="ko-KR" sz="1400" dirty="0"/>
+                        <a:rPr lang="en-US" altLang="ko-KR" sz="1200" dirty="0"/>
                         <a:t>- </a:t>
                       </a:r>
                       <a:r>
-                        <a:rPr lang="ko-KR" altLang="en-US" sz="1400" b="1" dirty="0"/>
+                        <a:rPr lang="ko-KR" altLang="en-US" sz="1200" b="1" dirty="0"/>
                         <a:t>차원 축소</a:t>
                       </a:r>
                       <a:r>
-                        <a:rPr lang="en-US" altLang="ko-KR" sz="1400" dirty="0"/>
+                        <a:rPr lang="en-US" altLang="ko-KR" sz="1200" dirty="0"/>
                         <a:t>: TF-IDF / Word2Vec </a:t>
                       </a:r>
                       <a:r>
-                        <a:rPr lang="ko-KR" altLang="en-US" sz="1400" dirty="0"/>
+                        <a:rPr lang="ko-KR" altLang="en-US" sz="1200" dirty="0"/>
                         <a:t>기반 텍스트 벡터 차원 축소</a:t>
                       </a:r>
-                      <a:endParaRPr lang="ko-KR" altLang="en-US" sz="1400" b="0" dirty="0"/>
+                      <a:endParaRPr lang="ko-KR" altLang="en-US" sz="1200" b="0" dirty="0"/>
                     </a:p>
                   </a:txBody>
                   <a:tcPr anchor="ctr"/>
@@ -12325,11 +14210,11 @@
                     <a:p>
                       <a:pPr algn="ctr" latinLnBrk="1"/>
                       <a:r>
-                        <a:rPr lang="en-US" altLang="ko-KR" sz="1400" b="1" dirty="0"/>
+                        <a:rPr lang="en-US" altLang="ko-KR" sz="1200" b="1" dirty="0"/>
                         <a:t>4. </a:t>
                       </a:r>
                       <a:r>
-                        <a:rPr lang="ko-KR" altLang="en-US" sz="1400" b="1" dirty="0"/>
+                        <a:rPr lang="ko-KR" altLang="en-US" sz="1200" b="1" dirty="0"/>
                         <a:t>모델 관리 및 운영 계획</a:t>
                       </a:r>
                     </a:p>
@@ -12343,88 +14228,88 @@
                     <a:p>
                       <a:pPr algn="l" latinLnBrk="1"/>
                       <a:r>
-                        <a:rPr lang="en-US" altLang="ko-KR" sz="1400" dirty="0"/>
+                        <a:rPr lang="en-US" altLang="ko-KR" sz="1200" dirty="0"/>
                         <a:t>- </a:t>
                       </a:r>
                       <a:r>
-                        <a:rPr lang="ko-KR" altLang="en-US" sz="1400" b="1" dirty="0"/>
+                        <a:rPr lang="ko-KR" altLang="en-US" sz="1200" b="1" dirty="0"/>
                         <a:t>모델 관리 체계</a:t>
                       </a:r>
                       <a:r>
-                        <a:rPr lang="en-US" altLang="ko-KR" sz="1400" dirty="0"/>
+                        <a:rPr lang="en-US" altLang="ko-KR" sz="1200" dirty="0"/>
                         <a:t>: </a:t>
                       </a:r>
                       <a:r>
-                        <a:rPr lang="ko-KR" altLang="en-US" sz="1400" dirty="0"/>
+                        <a:rPr lang="ko-KR" altLang="en-US" sz="1200" dirty="0"/>
                         <a:t>모델 </a:t>
                       </a:r>
                       <a:r>
-                        <a:rPr lang="ko-KR" altLang="en-US" sz="1400" dirty="0" err="1"/>
+                        <a:rPr lang="ko-KR" altLang="en-US" sz="1200" dirty="0" err="1"/>
                         <a:t>버전별</a:t>
                       </a:r>
                       <a:r>
-                        <a:rPr lang="ko-KR" altLang="en-US" sz="1400" dirty="0"/>
+                        <a:rPr lang="ko-KR" altLang="en-US" sz="1200" dirty="0"/>
                         <a:t> 성능 기록 및 비교</a:t>
                       </a:r>
                       <a:br>
-                        <a:rPr lang="ko-KR" altLang="en-US" sz="1400" dirty="0"/>
+                        <a:rPr lang="ko-KR" altLang="en-US" sz="1200" dirty="0"/>
                       </a:br>
                       <a:r>
-                        <a:rPr lang="en-US" altLang="ko-KR" sz="1400" dirty="0"/>
+                        <a:rPr lang="en-US" altLang="ko-KR" sz="1200" dirty="0"/>
                         <a:t>- </a:t>
                       </a:r>
                       <a:r>
-                        <a:rPr lang="ko-KR" altLang="en-US" sz="1400" b="1" dirty="0"/>
+                        <a:rPr lang="ko-KR" altLang="en-US" sz="1200" b="1" dirty="0"/>
                         <a:t>운영 환경</a:t>
                       </a:r>
                       <a:r>
-                        <a:rPr lang="en-US" altLang="ko-KR" sz="1400" dirty="0"/>
+                        <a:rPr lang="en-US" altLang="ko-KR" sz="1200" dirty="0"/>
                         <a:t>: API </a:t>
                       </a:r>
                       <a:r>
-                        <a:rPr lang="ko-KR" altLang="en-US" sz="1400" dirty="0"/>
+                        <a:rPr lang="ko-KR" altLang="en-US" sz="1200" dirty="0"/>
                         <a:t>기반 감정 분석</a:t>
                       </a:r>
                       <a:r>
-                        <a:rPr lang="en-US" altLang="ko-KR" sz="1400" dirty="0"/>
+                        <a:rPr lang="en-US" altLang="ko-KR" sz="1200" dirty="0"/>
                         <a:t>·</a:t>
                       </a:r>
                       <a:r>
-                        <a:rPr lang="ko-KR" altLang="en-US" sz="1400" dirty="0"/>
+                        <a:rPr lang="ko-KR" altLang="en-US" sz="1200" dirty="0"/>
                         <a:t>추천 서비스 제공</a:t>
                       </a:r>
                       <a:br>
-                        <a:rPr lang="ko-KR" altLang="en-US" sz="1400" dirty="0"/>
+                        <a:rPr lang="ko-KR" altLang="en-US" sz="1200" dirty="0"/>
                       </a:br>
                       <a:r>
-                        <a:rPr lang="en-US" altLang="ko-KR" sz="1400" dirty="0"/>
+                        <a:rPr lang="en-US" altLang="ko-KR" sz="1200" dirty="0"/>
                         <a:t>- </a:t>
                       </a:r>
                       <a:r>
-                        <a:rPr lang="ko-KR" altLang="en-US" sz="1400" b="1" dirty="0"/>
+                        <a:rPr lang="ko-KR" altLang="en-US" sz="1200" b="1" dirty="0"/>
                         <a:t>모니터링</a:t>
                       </a:r>
                       <a:r>
-                        <a:rPr lang="en-US" altLang="ko-KR" sz="1400" dirty="0"/>
+                        <a:rPr lang="en-US" altLang="ko-KR" sz="1200" dirty="0"/>
                         <a:t>: Accuracy/F1-score </a:t>
                       </a:r>
                       <a:r>
-                        <a:rPr lang="ko-KR" altLang="en-US" sz="1400" dirty="0"/>
+                        <a:rPr lang="ko-KR" altLang="en-US" sz="1200" dirty="0"/>
                         <a:t>추적</a:t>
                       </a:r>
                       <a:r>
-                        <a:rPr lang="en-US" altLang="ko-KR" sz="1400" dirty="0"/>
+                        <a:rPr lang="en-US" altLang="ko-KR" sz="1200" dirty="0"/>
                         <a:t>, </a:t>
                       </a:r>
                       <a:r>
-                        <a:rPr lang="ko-KR" altLang="en-US" sz="1400" dirty="0"/>
+                        <a:rPr lang="ko-KR" altLang="en-US" sz="1200" dirty="0"/>
                         <a:t>주기적 모델 </a:t>
                       </a:r>
                       <a:r>
-                        <a:rPr lang="ko-KR" altLang="en-US" sz="1400" dirty="0" err="1"/>
+                        <a:rPr lang="ko-KR" altLang="en-US" sz="1200" dirty="0" err="1"/>
                         <a:t>재학습</a:t>
                       </a:r>
-                      <a:endParaRPr lang="ko-KR" altLang="en-US" sz="1400" b="0" dirty="0"/>
+                      <a:endParaRPr lang="ko-KR" altLang="en-US" sz="1200" b="0" dirty="0"/>
                     </a:p>
                   </a:txBody>
                   <a:tcPr anchor="ctr"/>
@@ -12687,7 +14572,7 @@
           <p:nvPr>
             <p:extLst>
               <p:ext uri="{D42A27DB-BD31-4B8C-83A1-F6EECF244321}">
-                <p14:modId xmlns:p14="http://schemas.microsoft.com/office/powerpoint/2010/main" val="4008018876"/>
+                <p14:modId xmlns:p14="http://schemas.microsoft.com/office/powerpoint/2010/main" val="4071636565"/>
               </p:ext>
             </p:extLst>
           </p:nvPr>
@@ -12726,7 +14611,7 @@
                     <a:p>
                       <a:pPr algn="ctr" latinLnBrk="1"/>
                       <a:r>
-                        <a:rPr lang="en-US" altLang="ko-KR" sz="1400" b="1" dirty="0">
+                        <a:rPr lang="en-US" altLang="ko-KR" sz="1200" b="1" dirty="0">
                           <a:solidFill>
                             <a:schemeClr val="tx1"/>
                           </a:solidFill>
@@ -12734,7 +14619,7 @@
                         <a:t>5. </a:t>
                       </a:r>
                       <a:r>
-                        <a:rPr lang="ko-KR" altLang="en-US" sz="1400" b="1" dirty="0">
+                        <a:rPr lang="ko-KR" altLang="en-US" sz="1200" b="1" dirty="0">
                           <a:solidFill>
                             <a:schemeClr val="tx1"/>
                           </a:solidFill>
@@ -12752,7 +14637,7 @@
                     <a:p>
                       <a:pPr algn="l"/>
                       <a:r>
-                        <a:rPr lang="en-US" altLang="ko-KR" sz="1400" dirty="0">
+                        <a:rPr lang="en-US" altLang="ko-KR" sz="1200" dirty="0">
                           <a:solidFill>
                             <a:schemeClr val="tx1"/>
                           </a:solidFill>
@@ -12760,7 +14645,7 @@
                         <a:t>- Accuracy (</a:t>
                       </a:r>
                       <a:r>
-                        <a:rPr lang="ko-KR" altLang="en-US" sz="1400" dirty="0">
+                        <a:rPr lang="ko-KR" altLang="en-US" sz="1200" dirty="0">
                           <a:solidFill>
                             <a:schemeClr val="tx1"/>
                           </a:solidFill>
@@ -12768,7 +14653,7 @@
                         <a:t>정확도</a:t>
                       </a:r>
                       <a:r>
-                        <a:rPr lang="en-US" altLang="ko-KR" sz="1400" dirty="0">
+                        <a:rPr lang="en-US" altLang="ko-KR" sz="1200" dirty="0">
                           <a:solidFill>
                             <a:schemeClr val="tx1"/>
                           </a:solidFill>
@@ -12776,14 +14661,14 @@
                         <a:t>)</a:t>
                       </a:r>
                       <a:br>
-                        <a:rPr lang="en-US" altLang="ko-KR" sz="1400" dirty="0">
+                        <a:rPr lang="en-US" altLang="ko-KR" sz="1200" dirty="0">
                           <a:solidFill>
                             <a:schemeClr val="tx1"/>
                           </a:solidFill>
                         </a:rPr>
                       </a:br>
                       <a:r>
-                        <a:rPr lang="en-US" altLang="ko-KR" sz="1400" dirty="0">
+                        <a:rPr lang="en-US" altLang="ko-KR" sz="1200" dirty="0">
                           <a:solidFill>
                             <a:schemeClr val="tx1"/>
                           </a:solidFill>
@@ -12791,7 +14676,7 @@
                         <a:t>- Precision / Recall / F1-score (</a:t>
                       </a:r>
                       <a:r>
-                        <a:rPr lang="ko-KR" altLang="en-US" sz="1400" dirty="0">
+                        <a:rPr lang="ko-KR" altLang="en-US" sz="1200" dirty="0">
                           <a:solidFill>
                             <a:schemeClr val="tx1"/>
                           </a:solidFill>
@@ -12799,7 +14684,7 @@
                         <a:t>감정 분류 품질 평가</a:t>
                       </a:r>
                       <a:r>
-                        <a:rPr lang="en-US" altLang="ko-KR" sz="1400" dirty="0">
+                        <a:rPr lang="en-US" altLang="ko-KR" sz="1200" dirty="0">
                           <a:solidFill>
                             <a:schemeClr val="tx1"/>
                           </a:solidFill>
@@ -12807,14 +14692,14 @@
                         <a:t>)</a:t>
                       </a:r>
                       <a:br>
-                        <a:rPr lang="en-US" altLang="ko-KR" sz="1400" dirty="0">
+                        <a:rPr lang="en-US" altLang="ko-KR" sz="1200" dirty="0">
                           <a:solidFill>
                             <a:schemeClr val="tx1"/>
                           </a:solidFill>
                         </a:rPr>
                       </a:br>
                       <a:r>
-                        <a:rPr lang="en-US" altLang="ko-KR" sz="1400" dirty="0">
+                        <a:rPr lang="en-US" altLang="ko-KR" sz="1200" dirty="0">
                           <a:solidFill>
                             <a:schemeClr val="tx1"/>
                           </a:solidFill>
@@ -12822,7 +14707,7 @@
                         <a:t>- ROC-AUC (</a:t>
                       </a:r>
                       <a:r>
-                        <a:rPr lang="ko-KR" altLang="en-US" sz="1400" dirty="0">
+                        <a:rPr lang="ko-KR" altLang="en-US" sz="1200" dirty="0">
                           <a:solidFill>
                             <a:schemeClr val="tx1"/>
                           </a:solidFill>
@@ -12830,14 +14715,14 @@
                         <a:t>감정 분류 성능 종합 지표</a:t>
                       </a:r>
                       <a:r>
-                        <a:rPr lang="en-US" altLang="ko-KR" sz="1400" dirty="0">
+                        <a:rPr lang="en-US" altLang="ko-KR" sz="1200" dirty="0">
                           <a:solidFill>
                             <a:schemeClr val="tx1"/>
                           </a:solidFill>
                         </a:rPr>
                         <a:t>)</a:t>
                       </a:r>
-                      <a:endParaRPr lang="en-US" altLang="ko-KR" sz="1400" b="0" dirty="0">
+                      <a:endParaRPr lang="en-US" altLang="ko-KR" sz="1200" b="0" dirty="0">
                         <a:solidFill>
                           <a:schemeClr val="tx1"/>
                         </a:solidFill>
@@ -12861,7 +14746,7 @@
                     <a:p>
                       <a:pPr algn="ctr" latinLnBrk="1"/>
                       <a:r>
-                        <a:rPr lang="en-US" altLang="ko-KR" sz="1400" b="1" dirty="0">
+                        <a:rPr lang="en-US" altLang="ko-KR" sz="1200" b="1" dirty="0">
                           <a:solidFill>
                             <a:schemeClr val="tx1"/>
                           </a:solidFill>
@@ -12869,7 +14754,7 @@
                         <a:t>6. </a:t>
                       </a:r>
                       <a:r>
-                        <a:rPr lang="ko-KR" altLang="en-US" sz="1400" b="1" dirty="0">
+                        <a:rPr lang="ko-KR" altLang="en-US" sz="1200" b="1" dirty="0">
                           <a:solidFill>
                             <a:schemeClr val="tx1"/>
                           </a:solidFill>
@@ -12887,7 +14772,7 @@
                     <a:p>
                       <a:pPr algn="l"/>
                       <a:r>
-                        <a:rPr lang="en-US" altLang="ko-KR" sz="1400" dirty="0">
+                        <a:rPr lang="en-US" altLang="ko-KR" sz="1200" dirty="0">
                           <a:solidFill>
                             <a:schemeClr val="tx1"/>
                           </a:solidFill>
@@ -12895,7 +14780,7 @@
                         <a:t>- </a:t>
                       </a:r>
                       <a:r>
-                        <a:rPr lang="ko-KR" altLang="en-US" sz="1400" dirty="0">
+                        <a:rPr lang="ko-KR" altLang="en-US" sz="1200" dirty="0">
                           <a:solidFill>
                             <a:schemeClr val="tx1"/>
                           </a:solidFill>
@@ -12903,14 +14788,14 @@
                         <a:t>사용자 감정 상태를 정확히 예측하여 상담 만족도 제고</a:t>
                       </a:r>
                       <a:br>
-                        <a:rPr lang="ko-KR" altLang="en-US" sz="1400" dirty="0">
+                        <a:rPr lang="ko-KR" altLang="en-US" sz="1200" dirty="0">
                           <a:solidFill>
                             <a:schemeClr val="tx1"/>
                           </a:solidFill>
                         </a:rPr>
                       </a:br>
                       <a:r>
-                        <a:rPr lang="en-US" altLang="ko-KR" sz="1400" dirty="0">
+                        <a:rPr lang="en-US" altLang="ko-KR" sz="1200" dirty="0">
                           <a:solidFill>
                             <a:schemeClr val="tx1"/>
                           </a:solidFill>
@@ -12918,7 +14803,7 @@
                         <a:t>- </a:t>
                       </a:r>
                       <a:r>
-                        <a:rPr lang="ko-KR" altLang="en-US" sz="1400" dirty="0">
+                        <a:rPr lang="ko-KR" altLang="en-US" sz="1200" dirty="0">
                           <a:solidFill>
                             <a:schemeClr val="tx1"/>
                           </a:solidFill>
@@ -12926,7 +14811,7 @@
                         <a:t>연령</a:t>
                       </a:r>
                       <a:r>
-                        <a:rPr lang="en-US" altLang="ko-KR" sz="1400" dirty="0">
+                        <a:rPr lang="en-US" altLang="ko-KR" sz="1200" dirty="0">
                           <a:solidFill>
                             <a:schemeClr val="tx1"/>
                           </a:solidFill>
@@ -12934,7 +14819,7 @@
                         <a:t>/</a:t>
                       </a:r>
                       <a:r>
-                        <a:rPr lang="ko-KR" altLang="en-US" sz="1400" dirty="0">
+                        <a:rPr lang="ko-KR" altLang="en-US" sz="1200" dirty="0">
                           <a:solidFill>
                             <a:schemeClr val="tx1"/>
                           </a:solidFill>
@@ -12942,7 +14827,7 @@
                         <a:t>성별</a:t>
                       </a:r>
                       <a:r>
-                        <a:rPr lang="en-US" altLang="ko-KR" sz="1400" dirty="0">
+                        <a:rPr lang="en-US" altLang="ko-KR" sz="1200" dirty="0">
                           <a:solidFill>
                             <a:schemeClr val="tx1"/>
                           </a:solidFill>
@@ -12950,7 +14835,7 @@
                         <a:t>/</a:t>
                       </a:r>
                       <a:r>
-                        <a:rPr lang="ko-KR" altLang="en-US" sz="1400" dirty="0">
+                        <a:rPr lang="ko-KR" altLang="en-US" sz="1200" dirty="0">
                           <a:solidFill>
                             <a:schemeClr val="tx1"/>
                           </a:solidFill>
@@ -12958,7 +14843,7 @@
                         <a:t>신체질환을 고려한 </a:t>
                       </a:r>
                       <a:r>
-                        <a:rPr lang="ko-KR" altLang="en-US" sz="1400" b="1" dirty="0">
+                        <a:rPr lang="ko-KR" altLang="en-US" sz="1200" b="1" dirty="0">
                           <a:solidFill>
                             <a:schemeClr val="tx1"/>
                           </a:solidFill>
@@ -12966,7 +14851,7 @@
                         <a:t>맞춤형 상담사 매칭</a:t>
                       </a:r>
                       <a:r>
-                        <a:rPr lang="ko-KR" altLang="en-US" sz="1400" dirty="0">
+                        <a:rPr lang="ko-KR" altLang="en-US" sz="1200" dirty="0">
                           <a:solidFill>
                             <a:schemeClr val="tx1"/>
                           </a:solidFill>
@@ -12974,14 +14859,14 @@
                         <a:t> 가능</a:t>
                       </a:r>
                       <a:br>
-                        <a:rPr lang="ko-KR" altLang="en-US" sz="1400" dirty="0">
+                        <a:rPr lang="ko-KR" altLang="en-US" sz="1200" dirty="0">
                           <a:solidFill>
                             <a:schemeClr val="tx1"/>
                           </a:solidFill>
                         </a:rPr>
                       </a:br>
                       <a:r>
-                        <a:rPr lang="en-US" altLang="ko-KR" sz="1400" dirty="0">
+                        <a:rPr lang="en-US" altLang="ko-KR" sz="1200" dirty="0">
                           <a:solidFill>
                             <a:schemeClr val="tx1"/>
                           </a:solidFill>
@@ -12989,7 +14874,7 @@
                         <a:t>- </a:t>
                       </a:r>
                       <a:r>
-                        <a:rPr lang="ko-KR" altLang="en-US" sz="1400" dirty="0">
+                        <a:rPr lang="ko-KR" altLang="en-US" sz="1200" dirty="0">
                           <a:solidFill>
                             <a:schemeClr val="tx1"/>
                           </a:solidFill>
@@ -12997,14 +14882,14 @@
                         <a:t>상담 센터의 상담사 배치 효율화 및 서비스 품질 향상</a:t>
                       </a:r>
                       <a:br>
-                        <a:rPr lang="ko-KR" altLang="en-US" sz="1400" dirty="0">
+                        <a:rPr lang="ko-KR" altLang="en-US" sz="1200" dirty="0">
                           <a:solidFill>
                             <a:schemeClr val="tx1"/>
                           </a:solidFill>
                         </a:rPr>
                       </a:br>
                       <a:r>
-                        <a:rPr lang="en-US" altLang="ko-KR" sz="1400" dirty="0">
+                        <a:rPr lang="en-US" altLang="ko-KR" sz="1200" dirty="0">
                           <a:solidFill>
                             <a:schemeClr val="tx1"/>
                           </a:solidFill>
@@ -13012,7 +14897,7 @@
                         <a:t>- </a:t>
                       </a:r>
                       <a:r>
-                        <a:rPr lang="ko-KR" altLang="en-US" sz="1400" dirty="0">
+                        <a:rPr lang="ko-KR" altLang="en-US" sz="1200" dirty="0">
                           <a:solidFill>
                             <a:schemeClr val="tx1"/>
                           </a:solidFill>
@@ -13037,7 +14922,7 @@
                     <a:p>
                       <a:pPr algn="ctr" latinLnBrk="1"/>
                       <a:r>
-                        <a:rPr lang="en-US" altLang="ko-KR" sz="1400" b="1" dirty="0">
+                        <a:rPr lang="en-US" altLang="ko-KR" sz="1200" b="1" dirty="0">
                           <a:solidFill>
                             <a:schemeClr val="tx1"/>
                           </a:solidFill>
@@ -13045,7 +14930,7 @@
                         <a:t>7. </a:t>
                       </a:r>
                       <a:r>
-                        <a:rPr lang="ko-KR" altLang="en-US" sz="1400" b="1" dirty="0">
+                        <a:rPr lang="ko-KR" altLang="en-US" sz="1200" b="1" dirty="0">
                           <a:solidFill>
                             <a:schemeClr val="tx1"/>
                           </a:solidFill>
@@ -13063,7 +14948,7 @@
                     <a:p>
                       <a:pPr algn="l" latinLnBrk="1"/>
                       <a:r>
-                        <a:rPr lang="ko-KR" altLang="en-US" sz="1400" b="1" dirty="0">
+                        <a:rPr lang="ko-KR" altLang="en-US" sz="1200" b="1" dirty="0">
                           <a:solidFill>
                             <a:schemeClr val="tx1"/>
                           </a:solidFill>
@@ -13071,7 +14956,7 @@
                         <a:t>분류 모델 기반 분석 모델링 기획</a:t>
                       </a:r>
                       <a:r>
-                        <a:rPr lang="ko-KR" altLang="en-US" sz="1400" dirty="0">
+                        <a:rPr lang="ko-KR" altLang="en-US" sz="1200" dirty="0">
                           <a:solidFill>
                             <a:schemeClr val="tx1"/>
                           </a:solidFill>
@@ -13079,7 +14964,7 @@
                         <a:t>을 통해 사용자 리뷰와 특성을 분석하여 감정 상태를 예측하고</a:t>
                       </a:r>
                       <a:r>
-                        <a:rPr lang="en-US" altLang="ko-KR" sz="1400" dirty="0">
+                        <a:rPr lang="en-US" altLang="ko-KR" sz="1200" dirty="0">
                           <a:solidFill>
                             <a:schemeClr val="tx1"/>
                           </a:solidFill>
@@ -13087,7 +14972,7 @@
                         <a:t>, </a:t>
                       </a:r>
                       <a:r>
-                        <a:rPr lang="ko-KR" altLang="en-US" sz="1400" dirty="0">
+                        <a:rPr lang="ko-KR" altLang="en-US" sz="1200" dirty="0">
                           <a:solidFill>
                             <a:schemeClr val="tx1"/>
                           </a:solidFill>
@@ -13095,14 +14980,14 @@
                         <a:t>이를 상담사 추천 서비스에 적용함으로써 개인 맞춤형 상담 경험을 강화할 수 있음을 제시하였다</a:t>
                       </a:r>
                       <a:r>
-                        <a:rPr lang="en-US" altLang="ko-KR" sz="1400" dirty="0">
+                        <a:rPr lang="en-US" altLang="ko-KR" sz="1200" dirty="0">
                           <a:solidFill>
                             <a:schemeClr val="tx1"/>
                           </a:solidFill>
                         </a:rPr>
                         <a:t>.</a:t>
                       </a:r>
-                      <a:endParaRPr lang="ko-KR" altLang="en-US" sz="1400" dirty="0">
+                      <a:endParaRPr lang="ko-KR" altLang="en-US" sz="1200" dirty="0">
                         <a:solidFill>
                           <a:schemeClr val="tx1"/>
                         </a:solidFill>
